--- a/hrf/kidnapping.pptx
+++ b/hrf/kidnapping.pptx
@@ -267,7 +267,7 @@
           <a:p>
             <a:fld id="{30A6047E-43F2-DB44-9500-0B7A69155C07}" type="datetimeFigureOut">
               <a:rPr lang="en-US" smtClean="0"/>
-              <a:t>2/3/22</a:t>
+              <a:t>2/7/22</a:t>
             </a:fld>
             <a:endParaRPr lang="en-US"/>
           </a:p>
@@ -465,7 +465,7 @@
           <a:p>
             <a:fld id="{30A6047E-43F2-DB44-9500-0B7A69155C07}" type="datetimeFigureOut">
               <a:rPr lang="en-US" smtClean="0"/>
-              <a:t>2/3/22</a:t>
+              <a:t>2/7/22</a:t>
             </a:fld>
             <a:endParaRPr lang="en-US"/>
           </a:p>
@@ -673,7 +673,7 @@
           <a:p>
             <a:fld id="{30A6047E-43F2-DB44-9500-0B7A69155C07}" type="datetimeFigureOut">
               <a:rPr lang="en-US" smtClean="0"/>
-              <a:t>2/3/22</a:t>
+              <a:t>2/7/22</a:t>
             </a:fld>
             <a:endParaRPr lang="en-US"/>
           </a:p>
@@ -871,7 +871,7 @@
           <a:p>
             <a:fld id="{30A6047E-43F2-DB44-9500-0B7A69155C07}" type="datetimeFigureOut">
               <a:rPr lang="en-US" smtClean="0"/>
-              <a:t>2/3/22</a:t>
+              <a:t>2/7/22</a:t>
             </a:fld>
             <a:endParaRPr lang="en-US"/>
           </a:p>
@@ -1146,7 +1146,7 @@
           <a:p>
             <a:fld id="{30A6047E-43F2-DB44-9500-0B7A69155C07}" type="datetimeFigureOut">
               <a:rPr lang="en-US" smtClean="0"/>
-              <a:t>2/3/22</a:t>
+              <a:t>2/7/22</a:t>
             </a:fld>
             <a:endParaRPr lang="en-US"/>
           </a:p>
@@ -1411,7 +1411,7 @@
           <a:p>
             <a:fld id="{30A6047E-43F2-DB44-9500-0B7A69155C07}" type="datetimeFigureOut">
               <a:rPr lang="en-US" smtClean="0"/>
-              <a:t>2/3/22</a:t>
+              <a:t>2/7/22</a:t>
             </a:fld>
             <a:endParaRPr lang="en-US"/>
           </a:p>
@@ -1823,7 +1823,7 @@
           <a:p>
             <a:fld id="{30A6047E-43F2-DB44-9500-0B7A69155C07}" type="datetimeFigureOut">
               <a:rPr lang="en-US" smtClean="0"/>
-              <a:t>2/3/22</a:t>
+              <a:t>2/7/22</a:t>
             </a:fld>
             <a:endParaRPr lang="en-US"/>
           </a:p>
@@ -1964,7 +1964,7 @@
           <a:p>
             <a:fld id="{30A6047E-43F2-DB44-9500-0B7A69155C07}" type="datetimeFigureOut">
               <a:rPr lang="en-US" smtClean="0"/>
-              <a:t>2/3/22</a:t>
+              <a:t>2/7/22</a:t>
             </a:fld>
             <a:endParaRPr lang="en-US"/>
           </a:p>
@@ -2077,7 +2077,7 @@
           <a:p>
             <a:fld id="{30A6047E-43F2-DB44-9500-0B7A69155C07}" type="datetimeFigureOut">
               <a:rPr lang="en-US" smtClean="0"/>
-              <a:t>2/3/22</a:t>
+              <a:t>2/7/22</a:t>
             </a:fld>
             <a:endParaRPr lang="en-US"/>
           </a:p>
@@ -2388,7 +2388,7 @@
           <a:p>
             <a:fld id="{30A6047E-43F2-DB44-9500-0B7A69155C07}" type="datetimeFigureOut">
               <a:rPr lang="en-US" smtClean="0"/>
-              <a:t>2/3/22</a:t>
+              <a:t>2/7/22</a:t>
             </a:fld>
             <a:endParaRPr lang="en-US"/>
           </a:p>
@@ -2676,7 +2676,7 @@
           <a:p>
             <a:fld id="{30A6047E-43F2-DB44-9500-0B7A69155C07}" type="datetimeFigureOut">
               <a:rPr lang="en-US" smtClean="0"/>
-              <a:t>2/3/22</a:t>
+              <a:t>2/7/22</a:t>
             </a:fld>
             <a:endParaRPr lang="en-US"/>
           </a:p>
@@ -2917,7 +2917,7 @@
           <a:p>
             <a:fld id="{30A6047E-43F2-DB44-9500-0B7A69155C07}" type="datetimeFigureOut">
               <a:rPr lang="en-US" smtClean="0"/>
-              <a:t>2/3/22</a:t>
+              <a:t>2/7/22</a:t>
             </a:fld>
             <a:endParaRPr lang="en-US"/>
           </a:p>
@@ -3636,17 +3636,19 @@
         </p:nvSpPr>
         <p:spPr>
           <a:xfrm>
-            <a:off x="839787" y="783021"/>
-            <a:ext cx="3932237" cy="961697"/>
+            <a:off x="156117" y="783021"/>
+            <a:ext cx="4493943" cy="961697"/>
           </a:xfrm>
         </p:spPr>
         <p:txBody>
-          <a:bodyPr/>
+          <a:bodyPr>
+            <a:normAutofit fontScale="90000"/>
+          </a:bodyPr>
           <a:lstStyle/>
           <a:p>
             <a:r>
               <a:rPr lang="en-US" dirty="0"/>
-              <a:t>Contributory factors</a:t>
+              <a:t>Contributory factors (10219)</a:t>
             </a:r>
           </a:p>
         </p:txBody>
@@ -3674,24 +3676,11 @@
           <a:p>
             <a:r>
               <a:rPr lang="en-US" b="1" dirty="0"/>
-              <a:t>Revenge</a:t>
+              <a:t>Revenge </a:t>
             </a:r>
             <a:r>
               <a:rPr lang="en-US" dirty="0"/>
-              <a:t>: harmful action in response to a grievance</a:t>
-            </a:r>
-          </a:p>
-          <a:p>
-            <a:endParaRPr lang="en-US" dirty="0"/>
-          </a:p>
-          <a:p>
-            <a:r>
-              <a:rPr lang="en-US" b="1" dirty="0"/>
-              <a:t>Earnings and losses</a:t>
-            </a:r>
-            <a:r>
-              <a:rPr lang="en-US" dirty="0"/>
-              <a:t>: consumption and savings opportunity gained by an entity within a specified timeframe</a:t>
+              <a:t>(10228): harmful action in response to a grievance</a:t>
             </a:r>
           </a:p>
           <a:p>
@@ -3704,7 +3693,7 @@
             </a:r>
             <a:r>
               <a:rPr lang="en-US" dirty="0"/>
-              <a:t>: preventative measure taken to ensure someone's health</a:t>
+              <a:t> (10229): preventative measure taken to ensure someone's health</a:t>
             </a:r>
           </a:p>
           <a:p>
@@ -3713,11 +3702,24 @@
           <a:p>
             <a:r>
               <a:rPr lang="en-US" b="1" dirty="0"/>
-              <a:t>Quarreling</a:t>
+              <a:t>Quarreling </a:t>
             </a:r>
             <a:r>
               <a:rPr lang="en-US" dirty="0"/>
-              <a:t>: struggle for agency or power in society</a:t>
+              <a:t>(10227): struggle for agency or power in society</a:t>
+            </a:r>
+          </a:p>
+          <a:p>
+            <a:endParaRPr lang="en-US" dirty="0"/>
+          </a:p>
+          <a:p>
+            <a:r>
+              <a:rPr lang="en-US" b="1" dirty="0"/>
+              <a:t>Earnings and losses </a:t>
+            </a:r>
+            <a:r>
+              <a:rPr lang="en-US" dirty="0"/>
+              <a:t>(10226): consumption and savings opportunity gained by an entity within a specified timeframe</a:t>
             </a:r>
           </a:p>
         </p:txBody>
@@ -3810,7 +3812,7 @@
           <a:p>
             <a:r>
               <a:rPr lang="en-US" dirty="0"/>
-              <a:t>Planning</a:t>
+              <a:t>Planning (10220)</a:t>
             </a:r>
           </a:p>
         </p:txBody>
@@ -3833,13 +3835,13 @@
         </p:nvSpPr>
         <p:spPr>
           <a:xfrm>
-            <a:off x="639763" y="803273"/>
-            <a:ext cx="4266774" cy="5340352"/>
+            <a:off x="547909" y="803274"/>
+            <a:ext cx="4113302" cy="5340352"/>
           </a:xfrm>
         </p:spPr>
         <p:txBody>
           <a:bodyPr>
-            <a:normAutofit lnSpcReduction="10000"/>
+            <a:normAutofit fontScale="92500"/>
           </a:bodyPr>
           <a:lstStyle/>
           <a:p>
@@ -3849,7 +3851,15 @@
             </a:r>
             <a:r>
               <a:rPr lang="en-US" dirty="0"/>
-              <a:t>: act of selecting one or more victims</a:t>
+              <a:t> (10230)</a:t>
+            </a:r>
+            <a:r>
+              <a:rPr lang="en-US" b="1" dirty="0"/>
+              <a:t>: </a:t>
+            </a:r>
+            <a:r>
+              <a:rPr lang="en-US" dirty="0"/>
+              <a:t>act of selecting one or more victims</a:t>
             </a:r>
           </a:p>
           <a:p>
@@ -3859,17 +3869,27 @@
             </a:r>
             <a:r>
               <a:rPr lang="en-US" dirty="0"/>
-              <a:t>: act of selecting location where to kidnap victim</a:t>
+              <a:t> (10231): act of selecting location where to kidnap victim</a:t>
             </a:r>
           </a:p>
           <a:p>
             <a:r>
               <a:rPr lang="en-US" b="1" dirty="0"/>
-              <a:t>Cause to be included guards</a:t>
+              <a:t>Deciding communication protocols </a:t>
             </a:r>
             <a:r>
               <a:rPr lang="en-US" dirty="0"/>
-              <a:t>: employment of personnel needed to guard victim</a:t>
+              <a:t>(10233): deliberation about how kidnappers should communicate before, during, and after the crime</a:t>
+            </a:r>
+          </a:p>
+          <a:p>
+            <a:r>
+              <a:rPr lang="en-US" b="1" dirty="0"/>
+              <a:t>Getting tools </a:t>
+            </a:r>
+            <a:r>
+              <a:rPr lang="en-US" dirty="0"/>
+              <a:t>(10234): purchase of tools necessary for crime</a:t>
             </a:r>
           </a:p>
           <a:p>
@@ -3879,7 +3899,37 @@
             </a:r>
             <a:r>
               <a:rPr lang="en-US" dirty="0"/>
-              <a:t>: purchase of weapons needed for crime</a:t>
+              <a:t> (10236): purchase of weapons needed for crime</a:t>
+            </a:r>
+          </a:p>
+          <a:p>
+            <a:r>
+              <a:rPr lang="en-US" b="1" dirty="0"/>
+              <a:t>Cause to be included guards </a:t>
+            </a:r>
+            <a:r>
+              <a:rPr lang="en-US" dirty="0"/>
+              <a:t>(10238): employment of personnel needed to guard victim</a:t>
+            </a:r>
+          </a:p>
+          <a:p>
+            <a:r>
+              <a:rPr lang="en-US" b="1" dirty="0"/>
+              <a:t>Getting vehicle </a:t>
+            </a:r>
+            <a:r>
+              <a:rPr lang="en-US" dirty="0"/>
+              <a:t>(10235): purchase of vehicle needed for crime</a:t>
+            </a:r>
+          </a:p>
+          <a:p>
+            <a:r>
+              <a:rPr lang="en-US" b="1" dirty="0"/>
+              <a:t>Choosing method </a:t>
+            </a:r>
+            <a:r>
+              <a:rPr lang="en-US" dirty="0"/>
+              <a:t>(10232): act of judging the merits of multiple kidnapping methods and selecting one or more of them</a:t>
             </a:r>
           </a:p>
           <a:p>
@@ -3889,47 +3939,7 @@
             </a:r>
             <a:r>
               <a:rPr lang="en-US" dirty="0"/>
-              <a:t>: acquisition of location where victim will stay</a:t>
-            </a:r>
-          </a:p>
-          <a:p>
-            <a:r>
-              <a:rPr lang="en-US" b="1" dirty="0"/>
-              <a:t>Deciding communication protocols</a:t>
-            </a:r>
-            <a:r>
-              <a:rPr lang="en-US" dirty="0"/>
-              <a:t>: deliberation about how kidnappers should communicate before, during, and after the crime</a:t>
-            </a:r>
-          </a:p>
-          <a:p>
-            <a:r>
-              <a:rPr lang="en-US" b="1" dirty="0"/>
-              <a:t>Getting tools</a:t>
-            </a:r>
-            <a:r>
-              <a:rPr lang="en-US" dirty="0"/>
-              <a:t>: purchase of tools necessary for crime</a:t>
-            </a:r>
-          </a:p>
-          <a:p>
-            <a:r>
-              <a:rPr lang="en-US" b="1" dirty="0"/>
-              <a:t>Choosing method</a:t>
-            </a:r>
-            <a:r>
-              <a:rPr lang="en-US" dirty="0"/>
-              <a:t>: act of judging the merits of multiple kidnapping methods and selecting one or more of them</a:t>
-            </a:r>
-          </a:p>
-          <a:p>
-            <a:r>
-              <a:rPr lang="en-US" b="1" dirty="0"/>
-              <a:t>Getting vehicle</a:t>
-            </a:r>
-            <a:r>
-              <a:rPr lang="en-US" dirty="0"/>
-              <a:t>: purchase of vehicle needed for crime</a:t>
+              <a:t> (10237): acquisition of location where victim will stay</a:t>
             </a:r>
           </a:p>
         </p:txBody>
@@ -4012,17 +4022,19 @@
         </p:nvSpPr>
         <p:spPr>
           <a:xfrm>
-            <a:off x="439738" y="457200"/>
-            <a:ext cx="3932237" cy="531812"/>
+            <a:off x="336570" y="1025912"/>
+            <a:ext cx="2069286" cy="531812"/>
           </a:xfrm>
         </p:spPr>
         <p:txBody>
-          <a:bodyPr/>
+          <a:bodyPr>
+            <a:normAutofit fontScale="90000"/>
+          </a:bodyPr>
           <a:lstStyle/>
           <a:p>
             <a:r>
               <a:rPr lang="en-US" b="1" dirty="0"/>
-              <a:t>Scrutiny</a:t>
+              <a:t>Scrutiny (10221)</a:t>
             </a:r>
           </a:p>
         </p:txBody>
@@ -4059,27 +4071,27 @@
             </a:r>
             <a:r>
               <a:rPr lang="en-US" dirty="0"/>
-              <a:t>: monitor of behavior, activities, or other changing information about victim</a:t>
+              <a:t> (10239): monitor of behavior, activities, or other changing information about victim</a:t>
             </a:r>
           </a:p>
           <a:p>
             <a:r>
               <a:rPr lang="en-US" b="1" dirty="0"/>
-              <a:t>Know perception active</a:t>
+              <a:t>Know perception active </a:t>
             </a:r>
             <a:r>
               <a:rPr lang="en-US" dirty="0"/>
-              <a:t>: mental process; act of recognizing attributes of victim</a:t>
+              <a:t>(10240): mental process; act of recognizing attributes of victim</a:t>
             </a:r>
           </a:p>
           <a:p>
             <a:r>
               <a:rPr lang="en-US" b="1" dirty="0"/>
-              <a:t>Cyber surveillance</a:t>
+              <a:t>Cyber surveillance </a:t>
             </a:r>
             <a:r>
               <a:rPr lang="en-US" dirty="0"/>
-              <a:t>: clandestine acquisition of confidential information about victim via online resources</a:t>
+              <a:t>(10241): clandestine acquisition of confidential information about victim via online resources</a:t>
             </a:r>
           </a:p>
           <a:p>
@@ -4089,7 +4101,7 @@
             </a:r>
             <a:r>
               <a:rPr lang="en-US" dirty="0"/>
-              <a:t>: act of conveying intentions about kidnapping to other members of criminal network</a:t>
+              <a:t> (10242): act of conveying intentions about kidnapping to other members of criminal network</a:t>
             </a:r>
           </a:p>
         </p:txBody>
@@ -4172,17 +4184,19 @@
         </p:nvSpPr>
         <p:spPr>
           <a:xfrm>
-            <a:off x="231033" y="204198"/>
-            <a:ext cx="3932237" cy="638764"/>
+            <a:off x="231033" y="583340"/>
+            <a:ext cx="3147787" cy="638764"/>
           </a:xfrm>
         </p:spPr>
         <p:txBody>
-          <a:bodyPr/>
+          <a:bodyPr>
+            <a:normAutofit fontScale="90000"/>
+          </a:bodyPr>
           <a:lstStyle/>
           <a:p>
             <a:r>
               <a:rPr lang="en-US" dirty="0"/>
-              <a:t>Committing crime</a:t>
+              <a:t>Committing crime (10222)</a:t>
             </a:r>
           </a:p>
         </p:txBody>
@@ -4217,27 +4231,35 @@
           <a:p>
             <a:r>
               <a:rPr lang="en-US" b="1" dirty="0"/>
-              <a:t>Motion traveling</a:t>
+              <a:t>Motion traveling </a:t>
             </a:r>
             <a:r>
               <a:rPr lang="en-US" dirty="0"/>
-              <a:t>: movement of kidnapper from a place to location where is planned</a:t>
+              <a:t>(10243): movement of kidnapper from a place to location where is planned</a:t>
             </a:r>
           </a:p>
           <a:p>
             <a:r>
               <a:rPr lang="en-US" b="1" dirty="0"/>
-              <a:t>Attack</a:t>
+              <a:t>Attack </a:t>
             </a:r>
             <a:r>
               <a:rPr lang="en-US" dirty="0"/>
-              <a:t>: control of victim by kidnapper</a:t>
+              <a:t>(10244): control of victim by kidnapper</a:t>
             </a:r>
           </a:p>
           <a:p>
             <a:r>
               <a:rPr lang="en-US" b="1" dirty="0"/>
-              <a:t>Kidnapping: </a:t>
+              <a:t>Kidnapping</a:t>
+            </a:r>
+            <a:r>
+              <a:rPr lang="en-US" dirty="0"/>
+              <a:t> (10245)</a:t>
+            </a:r>
+            <a:r>
+              <a:rPr lang="en-US" b="1" dirty="0"/>
+              <a:t>: </a:t>
             </a:r>
             <a:r>
               <a:rPr lang="en-US" dirty="0"/>
@@ -4251,47 +4273,47 @@
             </a:r>
             <a:r>
               <a:rPr lang="en-US" dirty="0"/>
-              <a:t>: process removing the victim from a location</a:t>
+              <a:t> (10246): process removing the victim from a location</a:t>
             </a:r>
           </a:p>
           <a:p>
             <a:r>
               <a:rPr lang="en-US" b="1" dirty="0"/>
-              <a:t>Placing victim</a:t>
+              <a:t>Placing victim </a:t>
             </a:r>
             <a:r>
               <a:rPr lang="en-US" dirty="0"/>
-              <a:t>: net movement of victim from one location to another</a:t>
+              <a:t>(10247): net movement of victim from one location to another</a:t>
             </a:r>
           </a:p>
           <a:p>
             <a:r>
               <a:rPr lang="en-US" b="1" dirty="0"/>
-              <a:t>Killing</a:t>
+              <a:t>Killing </a:t>
             </a:r>
             <a:r>
               <a:rPr lang="en-US" dirty="0"/>
-              <a:t>: death of victim as a result of action by kidnapper</a:t>
+              <a:t>(10254): death of victim as a result of action by kidnapper</a:t>
             </a:r>
           </a:p>
           <a:p>
             <a:r>
               <a:rPr lang="en-US" b="1" dirty="0"/>
-              <a:t>Temporary stay</a:t>
+              <a:t>Temporary stay </a:t>
             </a:r>
             <a:r>
               <a:rPr lang="en-US" dirty="0"/>
-              <a:t>: short stay of victim in safehouse or other location</a:t>
+              <a:t>(10250): short stay of victim in safehouse or other location</a:t>
             </a:r>
           </a:p>
           <a:p>
             <a:r>
               <a:rPr lang="en-US" b="1" dirty="0"/>
-              <a:t>Communication</a:t>
+              <a:t>Communication </a:t>
             </a:r>
             <a:r>
               <a:rPr lang="en-US" dirty="0"/>
-              <a:t>: act of conveying intended meanings from kidnapper to authorities or non-authorities</a:t>
+              <a:t>(10248): act of conveying intended meanings from kidnapper to authorities or non-authorities</a:t>
             </a:r>
           </a:p>
           <a:p>
@@ -4301,17 +4323,17 @@
             </a:r>
             <a:r>
               <a:rPr lang="en-US" dirty="0"/>
-              <a:t>: act of asking formally for something in return for safety of victim</a:t>
+              <a:t> (10249): act of asking formally for something in return for safety of victim</a:t>
             </a:r>
           </a:p>
           <a:p>
             <a:r>
               <a:rPr lang="en-US" b="1" dirty="0"/>
-              <a:t>Ransom</a:t>
+              <a:t>Ransom </a:t>
             </a:r>
             <a:r>
               <a:rPr lang="en-US" dirty="0"/>
-              <a:t>: practice of holding a prisoner or item to extort money or property</a:t>
+              <a:t>(10251): practice of holding a prisoner or item to extort money or property</a:t>
             </a:r>
           </a:p>
           <a:p>
@@ -4321,7 +4343,7 @@
             </a:r>
             <a:r>
               <a:rPr lang="en-US" dirty="0"/>
-              <a:t>: understanding between entities to follow a specific course of conduct</a:t>
+              <a:t> (10253): understanding between entities to follow a specific course of conduct</a:t>
             </a:r>
           </a:p>
           <a:p>
@@ -4330,8 +4352,12 @@
               <a:t>GiveUp</a:t>
             </a:r>
             <a:r>
+              <a:rPr lang="en-US" b="1" dirty="0"/>
+              <a:t> </a:t>
+            </a:r>
+            <a:r>
               <a:rPr lang="en-US" dirty="0"/>
-              <a:t>: form of surrender when kidnapper decides to stop crime</a:t>
+              <a:t>(10252): form of surrender when kidnapper decides to stop crime</a:t>
             </a:r>
           </a:p>
         </p:txBody>
@@ -4414,17 +4440,19 @@
         </p:nvSpPr>
         <p:spPr>
           <a:xfrm>
-            <a:off x="368299" y="171449"/>
-            <a:ext cx="3932237" cy="674687"/>
+            <a:off x="368299" y="314325"/>
+            <a:ext cx="4281760" cy="674687"/>
           </a:xfrm>
         </p:spPr>
         <p:txBody>
-          <a:bodyPr/>
+          <a:bodyPr>
+            <a:normAutofit fontScale="90000"/>
+          </a:bodyPr>
           <a:lstStyle/>
           <a:p>
             <a:r>
               <a:rPr lang="en-US" b="1" dirty="0"/>
-              <a:t>Authority response</a:t>
+              <a:t>Authority response (10223)</a:t>
             </a:r>
           </a:p>
         </p:txBody>
@@ -4447,8 +4475,8 @@
         </p:nvSpPr>
         <p:spPr>
           <a:xfrm>
-            <a:off x="436563" y="1031873"/>
-            <a:ext cx="3863973" cy="5511802"/>
+            <a:off x="211873" y="1031873"/>
+            <a:ext cx="4895386" cy="5511802"/>
           </a:xfrm>
         </p:spPr>
         <p:txBody>
@@ -4459,91 +4487,91 @@
           <a:p>
             <a:r>
               <a:rPr lang="en-US" sz="1200" b="1" dirty="0"/>
-              <a:t>Physical surveillance</a:t>
+              <a:t>Physical surveillance </a:t>
             </a:r>
             <a:r>
               <a:rPr lang="en-US" sz="1200" dirty="0"/>
-              <a:t>: monitoring of behavior, activities, or other changing information about kidnapper</a:t>
+              <a:t>(10255): monitoring of behavior, activities, or other changing information about kidnapper</a:t>
             </a:r>
           </a:p>
           <a:p>
             <a:r>
               <a:rPr lang="en-US" sz="1200" b="1" dirty="0"/>
-              <a:t>Traveling</a:t>
+              <a:t>Traveling </a:t>
             </a:r>
             <a:r>
               <a:rPr lang="en-US" sz="1200" dirty="0"/>
-              <a:t>: movement of authorities to location of kidnapper or victim</a:t>
+              <a:t>(10256): movement of authorities to location of kidnapper or victim</a:t>
             </a:r>
           </a:p>
           <a:p>
             <a:r>
               <a:rPr lang="en-US" sz="1200" b="1" dirty="0"/>
-              <a:t>Finding</a:t>
+              <a:t>Finding </a:t>
             </a:r>
             <a:r>
               <a:rPr lang="en-US" sz="1200" dirty="0"/>
-              <a:t>: physical finding of location of kidnapper or victim</a:t>
+              <a:t>(10257): physical finding of location of kidnapper or victim</a:t>
             </a:r>
           </a:p>
           <a:p>
             <a:r>
               <a:rPr lang="en-US" sz="1200" b="1" dirty="0"/>
-              <a:t>Communication</a:t>
+              <a:t>Communication </a:t>
             </a:r>
             <a:r>
               <a:rPr lang="en-US" sz="1200" dirty="0"/>
-              <a:t>: act of conveying intended meanings between authorities</a:t>
+              <a:t>(10258): act of conveying intended meanings between authorities</a:t>
             </a:r>
           </a:p>
           <a:p>
             <a:r>
               <a:rPr lang="en-US" sz="1200" b="1" dirty="0"/>
-              <a:t>Expressing publicly</a:t>
+              <a:t>Expressing publicly </a:t>
             </a:r>
             <a:r>
               <a:rPr lang="en-US" sz="1200" dirty="0"/>
-              <a:t>: revealing of restricted information about crime to public</a:t>
+              <a:t>(10259): revealing of restricted information about crime to public</a:t>
             </a:r>
           </a:p>
           <a:p>
             <a:r>
               <a:rPr lang="en-US" sz="1200" b="1" dirty="0"/>
-              <a:t>Request</a:t>
+              <a:t>Request </a:t>
             </a:r>
             <a:r>
               <a:rPr lang="en-US" sz="1200" dirty="0"/>
-              <a:t>: act of asking formally for demands of kidnapper</a:t>
+              <a:t>(10260): act of asking formally for demands of kidnapper</a:t>
             </a:r>
           </a:p>
           <a:p>
             <a:r>
               <a:rPr lang="en-US" sz="1200" b="1" dirty="0"/>
-              <a:t>Negotiation</a:t>
+              <a:t>Negotiation </a:t>
             </a:r>
             <a:r>
               <a:rPr lang="en-US" sz="1200" dirty="0"/>
-              <a:t>: meeting held between authorities and kidnapper</a:t>
+              <a:t>(10261): meeting held between authorities and kidnapper</a:t>
             </a:r>
           </a:p>
           <a:p>
             <a:r>
               <a:rPr lang="en-US" sz="1200" b="1" dirty="0"/>
-              <a:t>Influence</a:t>
+              <a:t>Influence </a:t>
             </a:r>
             <a:r>
               <a:rPr lang="en-US" sz="1200" dirty="0"/>
-              <a:t>:  umbrella term of influence and mode of communication</a:t>
+              <a:t>(10262): umbrella term of influence and mode of communication</a:t>
             </a:r>
           </a:p>
           <a:p>
             <a:r>
               <a:rPr lang="en-US" sz="1200" b="1" dirty="0"/>
-              <a:t>Helping</a:t>
+              <a:t>Helping </a:t>
             </a:r>
             <a:r>
               <a:rPr lang="en-US" sz="1200" dirty="0"/>
-              <a:t>: cooperation between authorities and people impacted by crime</a:t>
+              <a:t>(10265): cooperation between authorities and people impacted by crime</a:t>
             </a:r>
           </a:p>
           <a:p>
@@ -4553,7 +4581,7 @@
             </a:r>
             <a:r>
               <a:rPr lang="en-US" sz="1200" dirty="0"/>
-              <a:t>: act of protecting victim from attack</a:t>
+              <a:t> (10264): act of protecting victim from attack</a:t>
             </a:r>
           </a:p>
           <a:p>
@@ -4563,27 +4591,27 @@
             </a:r>
             <a:r>
               <a:rPr lang="en-US" sz="1200" dirty="0"/>
-              <a:t>: voluntary exchange of victim for other person or resource</a:t>
+              <a:t> (10268): voluntary exchange of victim for other person or resource</a:t>
             </a:r>
           </a:p>
           <a:p>
             <a:r>
               <a:rPr lang="en-US" sz="1200" b="1" dirty="0"/>
-              <a:t>Getting ransom</a:t>
+              <a:t>Getting ransom </a:t>
             </a:r>
             <a:r>
               <a:rPr lang="en-US" sz="1200" dirty="0"/>
-              <a:t>: money made available to secure safety of victim</a:t>
+              <a:t>(10263): money made available to secure safety of victim</a:t>
             </a:r>
           </a:p>
           <a:p>
             <a:r>
               <a:rPr lang="en-US" sz="1200" b="1" dirty="0"/>
-              <a:t>Attack</a:t>
+              <a:t>Attack </a:t>
             </a:r>
             <a:r>
               <a:rPr lang="en-US" sz="1200" dirty="0"/>
-              <a:t>: attempt to control situation by authorities</a:t>
+              <a:t>(10266): attempt to control situation by authorities</a:t>
             </a:r>
           </a:p>
           <a:p>
@@ -4593,7 +4621,7 @@
             </a:r>
             <a:r>
               <a:rPr lang="en-US" sz="1200" dirty="0"/>
-              <a:t>: act of killing the kidnapper or accidental killing of victim</a:t>
+              <a:t> (10267): act of killing the kidnapper or accidental killing of victim</a:t>
             </a:r>
           </a:p>
         </p:txBody>
@@ -4620,8 +4648,8 @@
         </p:blipFill>
         <p:spPr>
           <a:xfrm>
-            <a:off x="4318000" y="1397000"/>
-            <a:ext cx="7874000" cy="4064000"/>
+            <a:off x="5196468" y="1397000"/>
+            <a:ext cx="6995531" cy="4064000"/>
           </a:xfrm>
           <a:prstGeom prst="rect">
             <a:avLst/>
@@ -4688,7 +4716,7 @@
           <a:p>
             <a:r>
               <a:rPr lang="en-US" b="1" dirty="0"/>
-              <a:t>Non-authority response</a:t>
+              <a:t>Non-authority response (10224)</a:t>
             </a:r>
           </a:p>
         </p:txBody>
@@ -4712,7 +4740,7 @@
         <p:spPr>
           <a:xfrm>
             <a:off x="839788" y="2200275"/>
-            <a:ext cx="3517900" cy="3668713"/>
+            <a:ext cx="3910632" cy="3668713"/>
           </a:xfrm>
         </p:spPr>
         <p:txBody>
@@ -4721,11 +4749,11 @@
           <a:p>
             <a:r>
               <a:rPr lang="en-US" b="1" dirty="0"/>
-              <a:t>Negotiation</a:t>
+              <a:t>Negotiation </a:t>
             </a:r>
             <a:r>
               <a:rPr lang="en-US" dirty="0"/>
-              <a:t>: meeting held between non-authorities and kidnapper</a:t>
+              <a:t>(10269): meeting held between non-authorities and kidnapper</a:t>
             </a:r>
           </a:p>
           <a:p>
@@ -4735,7 +4763,7 @@
             </a:r>
             <a:r>
               <a:rPr lang="en-US" dirty="0"/>
-              <a:t>: conveying meaning between non-authorities and kidnapper</a:t>
+              <a:t> (10273): conveying meaning between non-authorities and kidnapper</a:t>
             </a:r>
           </a:p>
           <a:p>
@@ -4745,7 +4773,7 @@
             </a:r>
             <a:r>
               <a:rPr lang="en-US" dirty="0"/>
-              <a:t>: procuring money to secure safety of victim</a:t>
+              <a:t> (10270): procuring money to secure safety of victim</a:t>
             </a:r>
           </a:p>
           <a:p>
@@ -4755,7 +4783,7 @@
             </a:r>
             <a:r>
               <a:rPr lang="en-US" dirty="0"/>
-              <a:t>: movement of non-authorities to location for delivery of ransom</a:t>
+              <a:t> (10272): movement of non-authorities to location for delivery of ransom</a:t>
             </a:r>
           </a:p>
           <a:p>
@@ -4765,7 +4793,7 @@
             </a:r>
             <a:r>
               <a:rPr lang="en-US" dirty="0"/>
-              <a:t>: handing over ransom to kidnapper</a:t>
+              <a:t> (10271): handing over ransom to kidnapper</a:t>
             </a:r>
           </a:p>
         </p:txBody>
@@ -4846,14 +4874,19 @@
             <p:ph type="title"/>
           </p:nvPr>
         </p:nvSpPr>
-        <p:spPr/>
+        <p:spPr>
+          <a:xfrm>
+            <a:off x="839789" y="457200"/>
+            <a:ext cx="2594788" cy="1600200"/>
+          </a:xfrm>
+        </p:spPr>
         <p:txBody>
           <a:bodyPr/>
           <a:lstStyle/>
           <a:p>
             <a:r>
               <a:rPr lang="en-US" b="1" dirty="0"/>
-              <a:t>Legality</a:t>
+              <a:t>Legality (10225)</a:t>
             </a:r>
           </a:p>
         </p:txBody>
@@ -4890,7 +4923,7 @@
             </a:r>
             <a:r>
               <a:rPr lang="en-US" dirty="0"/>
-              <a:t>: investigation of crimes by police</a:t>
+              <a:t> (10274): investigation of crimes by police</a:t>
             </a:r>
           </a:p>
           <a:p>
@@ -4900,17 +4933,17 @@
             </a:r>
             <a:r>
               <a:rPr lang="en-US" dirty="0"/>
-              <a:t>: proceedings in any civil lawsuit or criminal prosecution</a:t>
+              <a:t> (10275): proceedings in any civil lawsuit or criminal prosecution</a:t>
             </a:r>
           </a:p>
           <a:p>
             <a:r>
               <a:rPr lang="en-US" b="1" dirty="0"/>
-              <a:t>Judgment communication</a:t>
+              <a:t>Judgment communication </a:t>
             </a:r>
             <a:r>
               <a:rPr lang="en-US" dirty="0"/>
-              <a:t>: instruction directed by law, judgment or administrative act to defendant or litigant to obey a certain behavior</a:t>
+              <a:t>(10276): instruction directed by law, judgment or administrative act to defendant or litigant to obey a certain behavior</a:t>
             </a:r>
           </a:p>
         </p:txBody>

--- a/hrf/kidnapping.pptx
+++ b/hrf/kidnapping.pptx
@@ -267,7 +267,7 @@
           <a:p>
             <a:fld id="{30A6047E-43F2-DB44-9500-0B7A69155C07}" type="datetimeFigureOut">
               <a:rPr lang="en-US" smtClean="0"/>
-              <a:t>2/7/22</a:t>
+              <a:t>3/20/22</a:t>
             </a:fld>
             <a:endParaRPr lang="en-US"/>
           </a:p>
@@ -465,7 +465,7 @@
           <a:p>
             <a:fld id="{30A6047E-43F2-DB44-9500-0B7A69155C07}" type="datetimeFigureOut">
               <a:rPr lang="en-US" smtClean="0"/>
-              <a:t>2/7/22</a:t>
+              <a:t>3/20/22</a:t>
             </a:fld>
             <a:endParaRPr lang="en-US"/>
           </a:p>
@@ -673,7 +673,7 @@
           <a:p>
             <a:fld id="{30A6047E-43F2-DB44-9500-0B7A69155C07}" type="datetimeFigureOut">
               <a:rPr lang="en-US" smtClean="0"/>
-              <a:t>2/7/22</a:t>
+              <a:t>3/20/22</a:t>
             </a:fld>
             <a:endParaRPr lang="en-US"/>
           </a:p>
@@ -871,7 +871,7 @@
           <a:p>
             <a:fld id="{30A6047E-43F2-DB44-9500-0B7A69155C07}" type="datetimeFigureOut">
               <a:rPr lang="en-US" smtClean="0"/>
-              <a:t>2/7/22</a:t>
+              <a:t>3/20/22</a:t>
             </a:fld>
             <a:endParaRPr lang="en-US"/>
           </a:p>
@@ -1146,7 +1146,7 @@
           <a:p>
             <a:fld id="{30A6047E-43F2-DB44-9500-0B7A69155C07}" type="datetimeFigureOut">
               <a:rPr lang="en-US" smtClean="0"/>
-              <a:t>2/7/22</a:t>
+              <a:t>3/20/22</a:t>
             </a:fld>
             <a:endParaRPr lang="en-US"/>
           </a:p>
@@ -1411,7 +1411,7 @@
           <a:p>
             <a:fld id="{30A6047E-43F2-DB44-9500-0B7A69155C07}" type="datetimeFigureOut">
               <a:rPr lang="en-US" smtClean="0"/>
-              <a:t>2/7/22</a:t>
+              <a:t>3/20/22</a:t>
             </a:fld>
             <a:endParaRPr lang="en-US"/>
           </a:p>
@@ -1823,7 +1823,7 @@
           <a:p>
             <a:fld id="{30A6047E-43F2-DB44-9500-0B7A69155C07}" type="datetimeFigureOut">
               <a:rPr lang="en-US" smtClean="0"/>
-              <a:t>2/7/22</a:t>
+              <a:t>3/20/22</a:t>
             </a:fld>
             <a:endParaRPr lang="en-US"/>
           </a:p>
@@ -1964,7 +1964,7 @@
           <a:p>
             <a:fld id="{30A6047E-43F2-DB44-9500-0B7A69155C07}" type="datetimeFigureOut">
               <a:rPr lang="en-US" smtClean="0"/>
-              <a:t>2/7/22</a:t>
+              <a:t>3/20/22</a:t>
             </a:fld>
             <a:endParaRPr lang="en-US"/>
           </a:p>
@@ -2077,7 +2077,7 @@
           <a:p>
             <a:fld id="{30A6047E-43F2-DB44-9500-0B7A69155C07}" type="datetimeFigureOut">
               <a:rPr lang="en-US" smtClean="0"/>
-              <a:t>2/7/22</a:t>
+              <a:t>3/20/22</a:t>
             </a:fld>
             <a:endParaRPr lang="en-US"/>
           </a:p>
@@ -2388,7 +2388,7 @@
           <a:p>
             <a:fld id="{30A6047E-43F2-DB44-9500-0B7A69155C07}" type="datetimeFigureOut">
               <a:rPr lang="en-US" smtClean="0"/>
-              <a:t>2/7/22</a:t>
+              <a:t>3/20/22</a:t>
             </a:fld>
             <a:endParaRPr lang="en-US"/>
           </a:p>
@@ -2676,7 +2676,7 @@
           <a:p>
             <a:fld id="{30A6047E-43F2-DB44-9500-0B7A69155C07}" type="datetimeFigureOut">
               <a:rPr lang="en-US" smtClean="0"/>
-              <a:t>2/7/22</a:t>
+              <a:t>3/20/22</a:t>
             </a:fld>
             <a:endParaRPr lang="en-US"/>
           </a:p>
@@ -2917,7 +2917,7 @@
           <a:p>
             <a:fld id="{30A6047E-43F2-DB44-9500-0B7A69155C07}" type="datetimeFigureOut">
               <a:rPr lang="en-US" smtClean="0"/>
-              <a:t>2/7/22</a:t>
+              <a:t>3/20/22</a:t>
             </a:fld>
             <a:endParaRPr lang="en-US"/>
           </a:p>
@@ -3386,7 +3386,13 @@
           <a:p>
             <a:r>
               <a:rPr lang="en-US" dirty="0"/>
-              <a:t>Quizlet 9</a:t>
+              <a:t>Curated by Michael Regan</a:t>
+            </a:r>
+          </a:p>
+          <a:p>
+            <a:r>
+              <a:rPr lang="en-US" dirty="0"/>
+              <a:t>Updated March 20, 2022</a:t>
             </a:r>
           </a:p>
         </p:txBody>
@@ -3560,10 +3566,10 @@
       </p:sp>
       <p:pic>
         <p:nvPicPr>
-          <p:cNvPr id="4" name="Picture 3" descr="A picture containing text, sky, accessory&#10;&#10;Description automatically generated">
-            <a:extLst>
-              <a:ext uri="{FF2B5EF4-FFF2-40B4-BE49-F238E27FC236}">
-                <a16:creationId xmlns:a16="http://schemas.microsoft.com/office/drawing/2014/main" id="{EE1349C1-D651-7544-8434-93E89210CCA3}"/>
+          <p:cNvPr id="3" name="Picture 2">
+            <a:extLst>
+              <a:ext uri="{FF2B5EF4-FFF2-40B4-BE49-F238E27FC236}">
+                <a16:creationId xmlns:a16="http://schemas.microsoft.com/office/drawing/2014/main" id="{8464ECB9-340F-E4BE-B7A2-FB48E21CA37F}"/>
               </a:ext>
             </a:extLst>
           </p:cNvPr>
@@ -3580,8 +3586,8 @@
         </p:blipFill>
         <p:spPr>
           <a:xfrm>
-            <a:off x="895763" y="1675227"/>
-            <a:ext cx="10400474" cy="4394199"/>
+            <a:off x="629715" y="2030402"/>
+            <a:ext cx="10932570" cy="3368478"/>
           </a:xfrm>
           <a:prstGeom prst="rect">
             <a:avLst/>
@@ -3642,13 +3648,13 @@
         </p:spPr>
         <p:txBody>
           <a:bodyPr>
-            <a:normAutofit fontScale="90000"/>
+            <a:normAutofit/>
           </a:bodyPr>
           <a:lstStyle/>
           <a:p>
             <a:r>
               <a:rPr lang="en-US" dirty="0"/>
-              <a:t>Contributory factors (10219)</a:t>
+              <a:t>Contributory factors</a:t>
             </a:r>
           </a:p>
         </p:txBody>
@@ -3676,11 +3682,11 @@
           <a:p>
             <a:r>
               <a:rPr lang="en-US" b="1" dirty="0"/>
-              <a:t>Revenge </a:t>
+              <a:t>Revenge</a:t>
             </a:r>
             <a:r>
               <a:rPr lang="en-US" dirty="0"/>
-              <a:t>(10228): harmful action in response to a grievance</a:t>
+              <a:t>: harmful action in response to a grievance</a:t>
             </a:r>
           </a:p>
           <a:p>
@@ -3693,7 +3699,7 @@
             </a:r>
             <a:r>
               <a:rPr lang="en-US" dirty="0"/>
-              <a:t> (10229): preventative measure taken to ensure someone's health</a:t>
+              <a:t>: preventative measure taken to ensure someone's health</a:t>
             </a:r>
           </a:p>
           <a:p>
@@ -3702,11 +3708,11 @@
           <a:p>
             <a:r>
               <a:rPr lang="en-US" b="1" dirty="0"/>
-              <a:t>Quarreling </a:t>
+              <a:t>Quarreling</a:t>
             </a:r>
             <a:r>
               <a:rPr lang="en-US" dirty="0"/>
-              <a:t>(10227): struggle for agency or power in society</a:t>
+              <a:t>: struggle for agency or power in society</a:t>
             </a:r>
           </a:p>
           <a:p>
@@ -3715,21 +3721,21 @@
           <a:p>
             <a:r>
               <a:rPr lang="en-US" b="1" dirty="0"/>
-              <a:t>Earnings and losses </a:t>
+              <a:t>Financial trouble</a:t>
             </a:r>
             <a:r>
               <a:rPr lang="en-US" dirty="0"/>
-              <a:t>(10226): consumption and savings opportunity gained by an entity within a specified timeframe</a:t>
+              <a:t>: consumption and savings opportunity gained by an entity within a specified timeframe</a:t>
             </a:r>
           </a:p>
         </p:txBody>
       </p:sp>
       <p:pic>
         <p:nvPicPr>
-          <p:cNvPr id="5" name="Picture 4" descr="Diagram&#10;&#10;Description automatically generated">
-            <a:extLst>
-              <a:ext uri="{FF2B5EF4-FFF2-40B4-BE49-F238E27FC236}">
-                <a16:creationId xmlns:a16="http://schemas.microsoft.com/office/drawing/2014/main" id="{608FB76C-7A78-284D-8EE2-020A2D6A2765}"/>
+          <p:cNvPr id="3" name="Picture 2">
+            <a:extLst>
+              <a:ext uri="{FF2B5EF4-FFF2-40B4-BE49-F238E27FC236}">
+                <a16:creationId xmlns:a16="http://schemas.microsoft.com/office/drawing/2014/main" id="{BD1ABB2D-DA1D-D294-3C56-8BE8DF3E906B}"/>
               </a:ext>
             </a:extLst>
           </p:cNvPr>
@@ -3746,8 +3752,8 @@
         </p:blipFill>
         <p:spPr>
           <a:xfrm>
-            <a:off x="4864100" y="0"/>
-            <a:ext cx="7327900" cy="6858000"/>
+            <a:off x="6096000" y="188843"/>
+            <a:ext cx="4466499" cy="6669157"/>
           </a:xfrm>
           <a:prstGeom prst="rect">
             <a:avLst/>
@@ -3784,172 +3790,12 @@
           <a:chExt cx="0" cy="0"/>
         </a:xfrm>
       </p:grpSpPr>
-      <p:sp>
-        <p:nvSpPr>
-          <p:cNvPr id="2" name="Title 1">
-            <a:extLst>
-              <a:ext uri="{FF2B5EF4-FFF2-40B4-BE49-F238E27FC236}">
-                <a16:creationId xmlns:a16="http://schemas.microsoft.com/office/drawing/2014/main" id="{F024522C-83FE-C24F-A343-3DA86757EA92}"/>
-              </a:ext>
-            </a:extLst>
-          </p:cNvPr>
-          <p:cNvSpPr>
-            <a:spLocks noGrp="1"/>
-          </p:cNvSpPr>
-          <p:nvPr>
-            <p:ph type="title"/>
-          </p:nvPr>
-        </p:nvSpPr>
-        <p:spPr>
-          <a:xfrm>
-            <a:off x="639763" y="271462"/>
-            <a:ext cx="3932237" cy="531812"/>
-          </a:xfrm>
-        </p:spPr>
-        <p:txBody>
-          <a:bodyPr/>
-          <a:lstStyle/>
-          <a:p>
-            <a:r>
-              <a:rPr lang="en-US" dirty="0"/>
-              <a:t>Planning (10220)</a:t>
-            </a:r>
-          </a:p>
-        </p:txBody>
-      </p:sp>
-      <p:sp>
-        <p:nvSpPr>
-          <p:cNvPr id="4" name="Text Placeholder 3">
-            <a:extLst>
-              <a:ext uri="{FF2B5EF4-FFF2-40B4-BE49-F238E27FC236}">
-                <a16:creationId xmlns:a16="http://schemas.microsoft.com/office/drawing/2014/main" id="{6F0991EE-92D2-C242-B33F-6F16F5F1A6F0}"/>
-              </a:ext>
-            </a:extLst>
-          </p:cNvPr>
-          <p:cNvSpPr>
-            <a:spLocks noGrp="1"/>
-          </p:cNvSpPr>
-          <p:nvPr>
-            <p:ph type="body" sz="half" idx="2"/>
-          </p:nvPr>
-        </p:nvSpPr>
-        <p:spPr>
-          <a:xfrm>
-            <a:off x="547909" y="803274"/>
-            <a:ext cx="4113302" cy="5340352"/>
-          </a:xfrm>
-        </p:spPr>
-        <p:txBody>
-          <a:bodyPr>
-            <a:normAutofit fontScale="92500"/>
-          </a:bodyPr>
-          <a:lstStyle/>
-          <a:p>
-            <a:r>
-              <a:rPr lang="en-US" b="1" dirty="0"/>
-              <a:t>Choosing victim</a:t>
-            </a:r>
-            <a:r>
-              <a:rPr lang="en-US" dirty="0"/>
-              <a:t> (10230)</a:t>
-            </a:r>
-            <a:r>
-              <a:rPr lang="en-US" b="1" dirty="0"/>
-              <a:t>: </a:t>
-            </a:r>
-            <a:r>
-              <a:rPr lang="en-US" dirty="0"/>
-              <a:t>act of selecting one or more victims</a:t>
-            </a:r>
-          </a:p>
-          <a:p>
-            <a:r>
-              <a:rPr lang="en-US" b="1" dirty="0"/>
-              <a:t>Choosing location</a:t>
-            </a:r>
-            <a:r>
-              <a:rPr lang="en-US" dirty="0"/>
-              <a:t> (10231): act of selecting location where to kidnap victim</a:t>
-            </a:r>
-          </a:p>
-          <a:p>
-            <a:r>
-              <a:rPr lang="en-US" b="1" dirty="0"/>
-              <a:t>Deciding communication protocols </a:t>
-            </a:r>
-            <a:r>
-              <a:rPr lang="en-US" dirty="0"/>
-              <a:t>(10233): deliberation about how kidnappers should communicate before, during, and after the crime</a:t>
-            </a:r>
-          </a:p>
-          <a:p>
-            <a:r>
-              <a:rPr lang="en-US" b="1" dirty="0"/>
-              <a:t>Getting tools </a:t>
-            </a:r>
-            <a:r>
-              <a:rPr lang="en-US" dirty="0"/>
-              <a:t>(10234): purchase of tools necessary for crime</a:t>
-            </a:r>
-          </a:p>
-          <a:p>
-            <a:r>
-              <a:rPr lang="en-US" b="1" dirty="0"/>
-              <a:t>Getting weapons</a:t>
-            </a:r>
-            <a:r>
-              <a:rPr lang="en-US" dirty="0"/>
-              <a:t> (10236): purchase of weapons needed for crime</a:t>
-            </a:r>
-          </a:p>
-          <a:p>
-            <a:r>
-              <a:rPr lang="en-US" b="1" dirty="0"/>
-              <a:t>Cause to be included guards </a:t>
-            </a:r>
-            <a:r>
-              <a:rPr lang="en-US" dirty="0"/>
-              <a:t>(10238): employment of personnel needed to guard victim</a:t>
-            </a:r>
-          </a:p>
-          <a:p>
-            <a:r>
-              <a:rPr lang="en-US" b="1" dirty="0"/>
-              <a:t>Getting vehicle </a:t>
-            </a:r>
-            <a:r>
-              <a:rPr lang="en-US" dirty="0"/>
-              <a:t>(10235): purchase of vehicle needed for crime</a:t>
-            </a:r>
-          </a:p>
-          <a:p>
-            <a:r>
-              <a:rPr lang="en-US" b="1" dirty="0"/>
-              <a:t>Choosing method </a:t>
-            </a:r>
-            <a:r>
-              <a:rPr lang="en-US" dirty="0"/>
-              <a:t>(10232): act of judging the merits of multiple kidnapping methods and selecting one or more of them</a:t>
-            </a:r>
-          </a:p>
-          <a:p>
-            <a:r>
-              <a:rPr lang="en-US" b="1" dirty="0"/>
-              <a:t>Getting place to keep victim</a:t>
-            </a:r>
-            <a:r>
-              <a:rPr lang="en-US" dirty="0"/>
-              <a:t> (10237): acquisition of location where victim will stay</a:t>
-            </a:r>
-          </a:p>
-        </p:txBody>
-      </p:sp>
       <p:pic>
         <p:nvPicPr>
-          <p:cNvPr id="6" name="Picture 5" descr="Diagram&#10;&#10;Description automatically generated">
-            <a:extLst>
-              <a:ext uri="{FF2B5EF4-FFF2-40B4-BE49-F238E27FC236}">
-                <a16:creationId xmlns:a16="http://schemas.microsoft.com/office/drawing/2014/main" id="{EBC9DEDF-13AD-334E-B0CA-6F1FC56E4B9A}"/>
+          <p:cNvPr id="3" name="Picture 2">
+            <a:extLst>
+              <a:ext uri="{FF2B5EF4-FFF2-40B4-BE49-F238E27FC236}">
+                <a16:creationId xmlns:a16="http://schemas.microsoft.com/office/drawing/2014/main" id="{10C42352-DE17-C2FB-3873-D841FEC84329}"/>
               </a:ext>
             </a:extLst>
           </p:cNvPr>
@@ -3966,14 +3812,166 @@
         </p:blipFill>
         <p:spPr>
           <a:xfrm>
-            <a:off x="5948155" y="0"/>
-            <a:ext cx="4353339" cy="6858000"/>
+            <a:off x="4661211" y="1114704"/>
+            <a:ext cx="7530789" cy="4822632"/>
           </a:xfrm>
           <a:prstGeom prst="rect">
             <a:avLst/>
           </a:prstGeom>
         </p:spPr>
       </p:pic>
+      <p:sp>
+        <p:nvSpPr>
+          <p:cNvPr id="2" name="Title 1">
+            <a:extLst>
+              <a:ext uri="{FF2B5EF4-FFF2-40B4-BE49-F238E27FC236}">
+                <a16:creationId xmlns:a16="http://schemas.microsoft.com/office/drawing/2014/main" id="{F024522C-83FE-C24F-A343-3DA86757EA92}"/>
+              </a:ext>
+            </a:extLst>
+          </p:cNvPr>
+          <p:cNvSpPr>
+            <a:spLocks noGrp="1"/>
+          </p:cNvSpPr>
+          <p:nvPr>
+            <p:ph type="title"/>
+          </p:nvPr>
+        </p:nvSpPr>
+        <p:spPr>
+          <a:xfrm>
+            <a:off x="639763" y="271462"/>
+            <a:ext cx="3932237" cy="531812"/>
+          </a:xfrm>
+        </p:spPr>
+        <p:txBody>
+          <a:bodyPr/>
+          <a:lstStyle/>
+          <a:p>
+            <a:r>
+              <a:rPr lang="en-US" dirty="0"/>
+              <a:t>Planning</a:t>
+            </a:r>
+          </a:p>
+        </p:txBody>
+      </p:sp>
+      <p:sp>
+        <p:nvSpPr>
+          <p:cNvPr id="4" name="Text Placeholder 3">
+            <a:extLst>
+              <a:ext uri="{FF2B5EF4-FFF2-40B4-BE49-F238E27FC236}">
+                <a16:creationId xmlns:a16="http://schemas.microsoft.com/office/drawing/2014/main" id="{6F0991EE-92D2-C242-B33F-6F16F5F1A6F0}"/>
+              </a:ext>
+            </a:extLst>
+          </p:cNvPr>
+          <p:cNvSpPr>
+            <a:spLocks noGrp="1"/>
+          </p:cNvSpPr>
+          <p:nvPr>
+            <p:ph type="body" sz="half" idx="2"/>
+          </p:nvPr>
+        </p:nvSpPr>
+        <p:spPr>
+          <a:xfrm>
+            <a:off x="547909" y="803274"/>
+            <a:ext cx="4113302" cy="5340352"/>
+          </a:xfrm>
+        </p:spPr>
+        <p:txBody>
+          <a:bodyPr>
+            <a:normAutofit fontScale="92500" lnSpcReduction="10000"/>
+          </a:bodyPr>
+          <a:lstStyle/>
+          <a:p>
+            <a:r>
+              <a:rPr lang="en-US" b="1" dirty="0"/>
+              <a:t>Choosing victim: </a:t>
+            </a:r>
+            <a:r>
+              <a:rPr lang="en-US" dirty="0"/>
+              <a:t>act of selecting one or more victims</a:t>
+            </a:r>
+          </a:p>
+          <a:p>
+            <a:r>
+              <a:rPr lang="en-US" b="1" dirty="0"/>
+              <a:t>Choosing location</a:t>
+            </a:r>
+            <a:r>
+              <a:rPr lang="en-US" dirty="0"/>
+              <a:t>: act of selecting location where to kidnap victim</a:t>
+            </a:r>
+          </a:p>
+          <a:p>
+            <a:r>
+              <a:rPr lang="en-US" b="1" dirty="0"/>
+              <a:t>Acquire accomplices: </a:t>
+            </a:r>
+            <a:r>
+              <a:rPr lang="en-US" dirty="0"/>
+              <a:t>employing other parties to ensure victim does not escape and is otherwise taken care of</a:t>
+            </a:r>
+          </a:p>
+          <a:p>
+            <a:r>
+              <a:rPr lang="en-US" b="1" dirty="0"/>
+              <a:t>Getting weapons</a:t>
+            </a:r>
+            <a:r>
+              <a:rPr lang="en-US" dirty="0"/>
+              <a:t>: purchase of weapons needed for crime</a:t>
+            </a:r>
+          </a:p>
+          <a:p>
+            <a:r>
+              <a:rPr lang="en-US" b="1" dirty="0"/>
+              <a:t>Getting place to keep victim</a:t>
+            </a:r>
+            <a:r>
+              <a:rPr lang="en-US" dirty="0"/>
+              <a:t>: acquisition of location where victim will stay</a:t>
+            </a:r>
+          </a:p>
+          <a:p>
+            <a:r>
+              <a:rPr lang="en-US" b="1" dirty="0"/>
+              <a:t>Deciding communication protocols</a:t>
+            </a:r>
+            <a:r>
+              <a:rPr lang="en-US" dirty="0"/>
+              <a:t>: deliberation about how kidnappers should communicate before, during, and after the crime</a:t>
+            </a:r>
+          </a:p>
+          <a:p>
+            <a:r>
+              <a:rPr lang="en-US" b="1" dirty="0"/>
+              <a:t>Getting tools</a:t>
+            </a:r>
+            <a:r>
+              <a:rPr lang="en-US" dirty="0"/>
+              <a:t>: purchase of tools necessary for crime</a:t>
+            </a:r>
+          </a:p>
+          <a:p>
+            <a:r>
+              <a:rPr lang="en-US" b="1" dirty="0"/>
+              <a:t>Choosing method</a:t>
+            </a:r>
+            <a:r>
+              <a:rPr lang="en-US" dirty="0"/>
+              <a:t>: act of judging the merits of multiple kidnapping methods and selecting one or more of them</a:t>
+            </a:r>
+          </a:p>
+          <a:p>
+            <a:r>
+              <a:rPr lang="en-US" b="1" dirty="0"/>
+              <a:t>Getting vehicle</a:t>
+            </a:r>
+            <a:r>
+              <a:rPr lang="en-US" dirty="0"/>
+              <a:t>: purchase of vehicle needed for crime</a:t>
+            </a:r>
+          </a:p>
+        </p:txBody>
+      </p:sp>
     </p:spTree>
     <p:extLst>
       <p:ext uri="{BB962C8B-B14F-4D97-AF65-F5344CB8AC3E}">
@@ -4034,7 +4032,14 @@
           <a:p>
             <a:r>
               <a:rPr lang="en-US" b="1" dirty="0"/>
-              <a:t>Scrutiny (10221)</a:t>
+              <a:t>Scrutiny</a:t>
+            </a:r>
+            <a:br>
+              <a:rPr lang="en-US" b="1" dirty="0"/>
+            </a:br>
+            <a:r>
+              <a:rPr lang="en-US" b="1" dirty="0"/>
+              <a:t>[optional]</a:t>
             </a:r>
           </a:p>
         </p:txBody>
@@ -4057,8 +4062,8 @@
         </p:nvSpPr>
         <p:spPr>
           <a:xfrm>
-            <a:off x="2405856" y="3721099"/>
-            <a:ext cx="8309769" cy="3014663"/>
+            <a:off x="974035" y="3721099"/>
+            <a:ext cx="10099399" cy="3014663"/>
           </a:xfrm>
         </p:spPr>
         <p:txBody>
@@ -4071,47 +4076,47 @@
             </a:r>
             <a:r>
               <a:rPr lang="en-US" dirty="0"/>
-              <a:t> (10239): monitor of behavior, activities, or other changing information about victim</a:t>
+              <a:t>: monitor of behavior, activities, or other changing information about victim</a:t>
             </a:r>
           </a:p>
           <a:p>
             <a:r>
               <a:rPr lang="en-US" b="1" dirty="0"/>
-              <a:t>Know perception active </a:t>
+              <a:t>Cyber surveillance</a:t>
             </a:r>
             <a:r>
               <a:rPr lang="en-US" dirty="0"/>
-              <a:t>(10240): mental process; act of recognizing attributes of victim</a:t>
+              <a:t>: clandestine acquisition of confidential information about victim via online resources</a:t>
             </a:r>
           </a:p>
           <a:p>
             <a:r>
               <a:rPr lang="en-US" b="1" dirty="0"/>
-              <a:t>Cyber surveillance </a:t>
+              <a:t>Determine victim and crime circumstances</a:t>
             </a:r>
             <a:r>
               <a:rPr lang="en-US" dirty="0"/>
-              <a:t>(10241): clandestine acquisition of confidential information about victim via online resources</a:t>
+              <a:t>: planning stage involving thinking about victim and circumstances about crime</a:t>
             </a:r>
           </a:p>
           <a:p>
             <a:r>
               <a:rPr lang="en-US" b="1" dirty="0"/>
-              <a:t>Communication</a:t>
+              <a:t>Communication with accomplices</a:t>
             </a:r>
             <a:r>
               <a:rPr lang="en-US" dirty="0"/>
-              <a:t> (10242): act of conveying intentions about kidnapping to other members of criminal network</a:t>
+              <a:t>: act of conveying intentions about kidnapping to other members of criminal network</a:t>
             </a:r>
           </a:p>
         </p:txBody>
       </p:sp>
       <p:pic>
         <p:nvPicPr>
-          <p:cNvPr id="6" name="Picture 5" descr="Diagram&#10;&#10;Description automatically generated">
-            <a:extLst>
-              <a:ext uri="{FF2B5EF4-FFF2-40B4-BE49-F238E27FC236}">
-                <a16:creationId xmlns:a16="http://schemas.microsoft.com/office/drawing/2014/main" id="{5887A90B-0B8F-2245-A7B3-C3D6BF127FC9}"/>
+          <p:cNvPr id="3" name="Picture 2">
+            <a:extLst>
+              <a:ext uri="{FF2B5EF4-FFF2-40B4-BE49-F238E27FC236}">
+                <a16:creationId xmlns:a16="http://schemas.microsoft.com/office/drawing/2014/main" id="{D03BE333-8AEB-5D90-3ED4-1339C0BA0AF1}"/>
               </a:ext>
             </a:extLst>
           </p:cNvPr>
@@ -4128,8 +4133,8 @@
         </p:blipFill>
         <p:spPr>
           <a:xfrm>
-            <a:off x="2405856" y="122238"/>
-            <a:ext cx="8839200" cy="3441700"/>
+            <a:off x="2238961" y="122238"/>
+            <a:ext cx="8729576" cy="3484596"/>
           </a:xfrm>
           <a:prstGeom prst="rect">
             <a:avLst/>
@@ -4190,13 +4195,13 @@
         </p:spPr>
         <p:txBody>
           <a:bodyPr>
-            <a:normAutofit fontScale="90000"/>
+            <a:normAutofit/>
           </a:bodyPr>
           <a:lstStyle/>
           <a:p>
             <a:r>
-              <a:rPr lang="en-US" dirty="0"/>
-              <a:t>Committing crime (10222)</a:t>
+              <a:rPr lang="en-US" b="1" dirty="0"/>
+              <a:t>Committing crime </a:t>
             </a:r>
           </a:p>
         </p:txBody>
@@ -4219,155 +4224,121 @@
         </p:nvSpPr>
         <p:spPr>
           <a:xfrm>
-            <a:off x="1837161" y="3290297"/>
-            <a:ext cx="9392814" cy="3167653"/>
+            <a:off x="231033" y="3429000"/>
+            <a:ext cx="10998942" cy="3028950"/>
           </a:xfrm>
         </p:spPr>
         <p:txBody>
           <a:bodyPr>
-            <a:normAutofit fontScale="77500" lnSpcReduction="20000"/>
+            <a:normAutofit/>
           </a:bodyPr>
           <a:lstStyle/>
           <a:p>
             <a:r>
-              <a:rPr lang="en-US" b="1" dirty="0"/>
-              <a:t>Motion traveling </a:t>
-            </a:r>
-            <a:r>
-              <a:rPr lang="en-US" dirty="0"/>
-              <a:t>(10243): movement of kidnapper from a place to location where is planned</a:t>
-            </a:r>
-          </a:p>
-          <a:p>
-            <a:r>
-              <a:rPr lang="en-US" b="1" dirty="0"/>
-              <a:t>Attack </a:t>
-            </a:r>
-            <a:r>
-              <a:rPr lang="en-US" dirty="0"/>
-              <a:t>(10244): control of victim by kidnapper</a:t>
-            </a:r>
-          </a:p>
-          <a:p>
-            <a:r>
-              <a:rPr lang="en-US" b="1" dirty="0"/>
+              <a:rPr lang="en-US" sz="1200" b="1" dirty="0"/>
+              <a:t>Move to kidnapping location</a:t>
+            </a:r>
+            <a:r>
+              <a:rPr lang="en-US" sz="1200" dirty="0"/>
+              <a:t>: movement of kidnapper from a place to location where is planned</a:t>
+            </a:r>
+          </a:p>
+          <a:p>
+            <a:r>
+              <a:rPr lang="en-US" sz="1200" b="1" dirty="0"/>
+              <a:t>Attack</a:t>
+            </a:r>
+            <a:r>
+              <a:rPr lang="en-US" sz="1200" dirty="0"/>
+              <a:t>: control of victim by kidnapper</a:t>
+            </a:r>
+          </a:p>
+          <a:p>
+            <a:r>
+              <a:rPr lang="en-US" sz="1200" b="1" dirty="0"/>
               <a:t>Kidnapping</a:t>
             </a:r>
             <a:r>
-              <a:rPr lang="en-US" dirty="0"/>
-              <a:t> (10245)</a:t>
-            </a:r>
-            <a:r>
-              <a:rPr lang="en-US" b="1" dirty="0"/>
+              <a:rPr lang="en-US" sz="1200" dirty="0"/>
+              <a:t> </a:t>
+            </a:r>
+            <a:r>
+              <a:rPr lang="en-US" sz="1200" b="1" dirty="0"/>
               <a:t>: </a:t>
             </a:r>
             <a:r>
-              <a:rPr lang="en-US" dirty="0"/>
+              <a:rPr lang="en-US" sz="1200" dirty="0"/>
               <a:t>taking away or transportation of a person against that person's will</a:t>
             </a:r>
           </a:p>
           <a:p>
             <a:r>
-              <a:rPr lang="en-US" b="1" dirty="0"/>
-              <a:t>Removing victim</a:t>
-            </a:r>
-            <a:r>
-              <a:rPr lang="en-US" dirty="0"/>
-              <a:t> (10246): process removing the victim from a location</a:t>
-            </a:r>
-          </a:p>
-          <a:p>
-            <a:r>
-              <a:rPr lang="en-US" b="1" dirty="0"/>
-              <a:t>Placing victim </a:t>
-            </a:r>
-            <a:r>
-              <a:rPr lang="en-US" dirty="0"/>
-              <a:t>(10247): net movement of victim from one location to another</a:t>
-            </a:r>
-          </a:p>
-          <a:p>
-            <a:r>
-              <a:rPr lang="en-US" b="1" dirty="0"/>
-              <a:t>Killing </a:t>
-            </a:r>
-            <a:r>
-              <a:rPr lang="en-US" dirty="0"/>
-              <a:t>(10254): death of victim as a result of action by kidnapper</a:t>
-            </a:r>
-          </a:p>
-          <a:p>
-            <a:r>
-              <a:rPr lang="en-US" b="1" dirty="0"/>
-              <a:t>Temporary stay </a:t>
-            </a:r>
-            <a:r>
-              <a:rPr lang="en-US" dirty="0"/>
-              <a:t>(10250): short stay of victim in safehouse or other location</a:t>
-            </a:r>
-          </a:p>
-          <a:p>
-            <a:r>
-              <a:rPr lang="en-US" b="1" dirty="0"/>
-              <a:t>Communication </a:t>
-            </a:r>
-            <a:r>
-              <a:rPr lang="en-US" dirty="0"/>
-              <a:t>(10248): act of conveying intended meanings from kidnapper to authorities or non-authorities</a:t>
-            </a:r>
-          </a:p>
-          <a:p>
-            <a:r>
-              <a:rPr lang="en-US" b="1" dirty="0"/>
-              <a:t>Request</a:t>
-            </a:r>
-            <a:r>
-              <a:rPr lang="en-US" dirty="0"/>
-              <a:t> (10249): act of asking formally for something in return for safety of victim</a:t>
-            </a:r>
-          </a:p>
-          <a:p>
-            <a:r>
-              <a:rPr lang="en-US" b="1" dirty="0"/>
-              <a:t>Ransom </a:t>
-            </a:r>
-            <a:r>
-              <a:rPr lang="en-US" dirty="0"/>
-              <a:t>(10251): practice of holding a prisoner or item to extort money or property</a:t>
-            </a:r>
-          </a:p>
-          <a:p>
-            <a:r>
-              <a:rPr lang="en-US" b="1" dirty="0"/>
+              <a:rPr lang="en-US" sz="1200" b="1" dirty="0"/>
+              <a:t>Transport victim</a:t>
+            </a:r>
+            <a:r>
+              <a:rPr lang="en-US" sz="1200" dirty="0"/>
+              <a:t>: net movement of victim from one location to another</a:t>
+            </a:r>
+          </a:p>
+          <a:p>
+            <a:r>
+              <a:rPr lang="en-US" sz="1200" b="1" dirty="0"/>
+              <a:t>Communicate with Target</a:t>
+            </a:r>
+            <a:r>
+              <a:rPr lang="en-US" sz="1200" dirty="0"/>
+              <a:t>: act of conveying intended meanings from kidnapper to authorities or non-authorities</a:t>
+            </a:r>
+          </a:p>
+          <a:p>
+            <a:r>
+              <a:rPr lang="en-US" sz="1200" b="1" dirty="0"/>
+              <a:t>Request Ransom</a:t>
+            </a:r>
+            <a:r>
+              <a:rPr lang="en-US" sz="1200" dirty="0"/>
+              <a:t>: practice of holding a prisoner or item to extort money or property</a:t>
+            </a:r>
+          </a:p>
+          <a:p>
+            <a:r>
+              <a:rPr lang="en-US" sz="1200" b="1" dirty="0"/>
               <a:t>Agree or refuse to act</a:t>
             </a:r>
             <a:r>
-              <a:rPr lang="en-US" dirty="0"/>
-              <a:t> (10253): understanding between entities to follow a specific course of conduct</a:t>
-            </a:r>
-          </a:p>
-          <a:p>
-            <a:r>
-              <a:rPr lang="en-US" b="1" dirty="0" err="1"/>
-              <a:t>GiveUp</a:t>
-            </a:r>
-            <a:r>
-              <a:rPr lang="en-US" b="1" dirty="0"/>
-              <a:t> </a:t>
-            </a:r>
-            <a:r>
-              <a:rPr lang="en-US" dirty="0"/>
-              <a:t>(10252): form of surrender when kidnapper decides to stop crime</a:t>
+              <a:rPr lang="en-US" sz="1200" dirty="0"/>
+              <a:t>: understanding between entities to follow a specific course of conduct</a:t>
+            </a:r>
+          </a:p>
+          <a:p>
+            <a:r>
+              <a:rPr lang="en-US" sz="1200" b="1" dirty="0"/>
+              <a:t>Killing</a:t>
+            </a:r>
+            <a:r>
+              <a:rPr lang="en-US" sz="1200" dirty="0"/>
+              <a:t>: death of victim as a result of action by kidnapper</a:t>
+            </a:r>
+          </a:p>
+          <a:p>
+            <a:r>
+              <a:rPr lang="en-US" sz="1200" b="1" dirty="0"/>
+              <a:t>Surrender:</a:t>
+            </a:r>
+            <a:r>
+              <a:rPr lang="en-US" sz="1200" dirty="0"/>
+              <a:t> form of surrender when kidnapper decides to stop crime</a:t>
             </a:r>
           </a:p>
         </p:txBody>
       </p:sp>
       <p:pic>
         <p:nvPicPr>
-          <p:cNvPr id="5" name="Picture 4" descr="A picture containing text, sky&#10;&#10;Description automatically generated">
-            <a:extLst>
-              <a:ext uri="{FF2B5EF4-FFF2-40B4-BE49-F238E27FC236}">
-                <a16:creationId xmlns:a16="http://schemas.microsoft.com/office/drawing/2014/main" id="{186D4905-3C30-EB4C-AA4B-CA0543F781B2}"/>
+          <p:cNvPr id="3" name="Picture 2">
+            <a:extLst>
+              <a:ext uri="{FF2B5EF4-FFF2-40B4-BE49-F238E27FC236}">
+                <a16:creationId xmlns:a16="http://schemas.microsoft.com/office/drawing/2014/main" id="{5AFFF512-6FEF-E401-3E4C-E14FA199CBAE}"/>
               </a:ext>
             </a:extLst>
           </p:cNvPr>
@@ -4384,8 +4355,8 @@
         </p:blipFill>
         <p:spPr>
           <a:xfrm>
-            <a:off x="3693267" y="-1"/>
-            <a:ext cx="8267700" cy="3290297"/>
+            <a:off x="3525079" y="313230"/>
+            <a:ext cx="8067620" cy="3115770"/>
           </a:xfrm>
           <a:prstGeom prst="rect">
             <a:avLst/>
@@ -4422,216 +4393,12 @@
           <a:chExt cx="0" cy="0"/>
         </a:xfrm>
       </p:grpSpPr>
-      <p:sp>
-        <p:nvSpPr>
-          <p:cNvPr id="2" name="Title 1">
-            <a:extLst>
-              <a:ext uri="{FF2B5EF4-FFF2-40B4-BE49-F238E27FC236}">
-                <a16:creationId xmlns:a16="http://schemas.microsoft.com/office/drawing/2014/main" id="{F024522C-83FE-C24F-A343-3DA86757EA92}"/>
-              </a:ext>
-            </a:extLst>
-          </p:cNvPr>
-          <p:cNvSpPr>
-            <a:spLocks noGrp="1"/>
-          </p:cNvSpPr>
-          <p:nvPr>
-            <p:ph type="title"/>
-          </p:nvPr>
-        </p:nvSpPr>
-        <p:spPr>
-          <a:xfrm>
-            <a:off x="368299" y="314325"/>
-            <a:ext cx="4281760" cy="674687"/>
-          </a:xfrm>
-        </p:spPr>
-        <p:txBody>
-          <a:bodyPr>
-            <a:normAutofit fontScale="90000"/>
-          </a:bodyPr>
-          <a:lstStyle/>
-          <a:p>
-            <a:r>
-              <a:rPr lang="en-US" b="1" dirty="0"/>
-              <a:t>Authority response (10223)</a:t>
-            </a:r>
-          </a:p>
-        </p:txBody>
-      </p:sp>
-      <p:sp>
-        <p:nvSpPr>
-          <p:cNvPr id="4" name="Text Placeholder 3">
-            <a:extLst>
-              <a:ext uri="{FF2B5EF4-FFF2-40B4-BE49-F238E27FC236}">
-                <a16:creationId xmlns:a16="http://schemas.microsoft.com/office/drawing/2014/main" id="{6F0991EE-92D2-C242-B33F-6F16F5F1A6F0}"/>
-              </a:ext>
-            </a:extLst>
-          </p:cNvPr>
-          <p:cNvSpPr>
-            <a:spLocks noGrp="1"/>
-          </p:cNvSpPr>
-          <p:nvPr>
-            <p:ph type="body" sz="half" idx="2"/>
-          </p:nvPr>
-        </p:nvSpPr>
-        <p:spPr>
-          <a:xfrm>
-            <a:off x="211873" y="1031873"/>
-            <a:ext cx="4895386" cy="5511802"/>
-          </a:xfrm>
-        </p:spPr>
-        <p:txBody>
-          <a:bodyPr>
-            <a:noAutofit/>
-          </a:bodyPr>
-          <a:lstStyle/>
-          <a:p>
-            <a:r>
-              <a:rPr lang="en-US" sz="1200" b="1" dirty="0"/>
-              <a:t>Physical surveillance </a:t>
-            </a:r>
-            <a:r>
-              <a:rPr lang="en-US" sz="1200" dirty="0"/>
-              <a:t>(10255): monitoring of behavior, activities, or other changing information about kidnapper</a:t>
-            </a:r>
-          </a:p>
-          <a:p>
-            <a:r>
-              <a:rPr lang="en-US" sz="1200" b="1" dirty="0"/>
-              <a:t>Traveling </a:t>
-            </a:r>
-            <a:r>
-              <a:rPr lang="en-US" sz="1200" dirty="0"/>
-              <a:t>(10256): movement of authorities to location of kidnapper or victim</a:t>
-            </a:r>
-          </a:p>
-          <a:p>
-            <a:r>
-              <a:rPr lang="en-US" sz="1200" b="1" dirty="0"/>
-              <a:t>Finding </a:t>
-            </a:r>
-            <a:r>
-              <a:rPr lang="en-US" sz="1200" dirty="0"/>
-              <a:t>(10257): physical finding of location of kidnapper or victim</a:t>
-            </a:r>
-          </a:p>
-          <a:p>
-            <a:r>
-              <a:rPr lang="en-US" sz="1200" b="1" dirty="0"/>
-              <a:t>Communication </a:t>
-            </a:r>
-            <a:r>
-              <a:rPr lang="en-US" sz="1200" dirty="0"/>
-              <a:t>(10258): act of conveying intended meanings between authorities</a:t>
-            </a:r>
-          </a:p>
-          <a:p>
-            <a:r>
-              <a:rPr lang="en-US" sz="1200" b="1" dirty="0"/>
-              <a:t>Expressing publicly </a:t>
-            </a:r>
-            <a:r>
-              <a:rPr lang="en-US" sz="1200" dirty="0"/>
-              <a:t>(10259): revealing of restricted information about crime to public</a:t>
-            </a:r>
-          </a:p>
-          <a:p>
-            <a:r>
-              <a:rPr lang="en-US" sz="1200" b="1" dirty="0"/>
-              <a:t>Request </a:t>
-            </a:r>
-            <a:r>
-              <a:rPr lang="en-US" sz="1200" dirty="0"/>
-              <a:t>(10260): act of asking formally for demands of kidnapper</a:t>
-            </a:r>
-          </a:p>
-          <a:p>
-            <a:r>
-              <a:rPr lang="en-US" sz="1200" b="1" dirty="0"/>
-              <a:t>Negotiation </a:t>
-            </a:r>
-            <a:r>
-              <a:rPr lang="en-US" sz="1200" dirty="0"/>
-              <a:t>(10261): meeting held between authorities and kidnapper</a:t>
-            </a:r>
-          </a:p>
-          <a:p>
-            <a:r>
-              <a:rPr lang="en-US" sz="1200" b="1" dirty="0"/>
-              <a:t>Influence </a:t>
-            </a:r>
-            <a:r>
-              <a:rPr lang="en-US" sz="1200" dirty="0"/>
-              <a:t>(10262): umbrella term of influence and mode of communication</a:t>
-            </a:r>
-          </a:p>
-          <a:p>
-            <a:r>
-              <a:rPr lang="en-US" sz="1200" b="1" dirty="0"/>
-              <a:t>Helping </a:t>
-            </a:r>
-            <a:r>
-              <a:rPr lang="en-US" sz="1200" dirty="0"/>
-              <a:t>(10265): cooperation between authorities and people impacted by crime</a:t>
-            </a:r>
-          </a:p>
-          <a:p>
-            <a:r>
-              <a:rPr lang="en-US" sz="1200" b="1" dirty="0"/>
-              <a:t>Defending</a:t>
-            </a:r>
-            <a:r>
-              <a:rPr lang="en-US" sz="1200" dirty="0"/>
-              <a:t> (10264): act of protecting victim from attack</a:t>
-            </a:r>
-          </a:p>
-          <a:p>
-            <a:r>
-              <a:rPr lang="en-US" sz="1200" b="1" dirty="0"/>
-              <a:t>Exchange victim</a:t>
-            </a:r>
-            <a:r>
-              <a:rPr lang="en-US" sz="1200" dirty="0"/>
-              <a:t> (10268): voluntary exchange of victim for other person or resource</a:t>
-            </a:r>
-          </a:p>
-          <a:p>
-            <a:r>
-              <a:rPr lang="en-US" sz="1200" b="1" dirty="0"/>
-              <a:t>Getting ransom </a:t>
-            </a:r>
-            <a:r>
-              <a:rPr lang="en-US" sz="1200" dirty="0"/>
-              <a:t>(10263): money made available to secure safety of victim</a:t>
-            </a:r>
-          </a:p>
-          <a:p>
-            <a:r>
-              <a:rPr lang="en-US" sz="1200" b="1" dirty="0"/>
-              <a:t>Attack </a:t>
-            </a:r>
-            <a:r>
-              <a:rPr lang="en-US" sz="1200" dirty="0"/>
-              <a:t>(10266): attempt to control situation by authorities</a:t>
-            </a:r>
-          </a:p>
-          <a:p>
-            <a:r>
-              <a:rPr lang="en-US" sz="1200" b="1" dirty="0"/>
-              <a:t>Killing</a:t>
-            </a:r>
-            <a:r>
-              <a:rPr lang="en-US" sz="1200" dirty="0"/>
-              <a:t> (10267): act of killing the kidnapper or accidental killing of victim</a:t>
-            </a:r>
-          </a:p>
-        </p:txBody>
-      </p:sp>
       <p:pic>
         <p:nvPicPr>
-          <p:cNvPr id="6" name="Picture 5" descr="Diagram&#10;&#10;Description automatically generated">
-            <a:extLst>
-              <a:ext uri="{FF2B5EF4-FFF2-40B4-BE49-F238E27FC236}">
-                <a16:creationId xmlns:a16="http://schemas.microsoft.com/office/drawing/2014/main" id="{0B2F50C5-57E0-C64C-B6A0-F38D1AB15C2C}"/>
+          <p:cNvPr id="3" name="Picture 2">
+            <a:extLst>
+              <a:ext uri="{FF2B5EF4-FFF2-40B4-BE49-F238E27FC236}">
+                <a16:creationId xmlns:a16="http://schemas.microsoft.com/office/drawing/2014/main" id="{513FBBA9-F9FF-BBE0-7297-3C28B9891D48}"/>
               </a:ext>
             </a:extLst>
           </p:cNvPr>
@@ -4648,14 +4415,330 @@
         </p:blipFill>
         <p:spPr>
           <a:xfrm>
-            <a:off x="5196468" y="1397000"/>
-            <a:ext cx="6995531" cy="4064000"/>
+            <a:off x="993345" y="427383"/>
+            <a:ext cx="9496408" cy="4194918"/>
           </a:xfrm>
           <a:prstGeom prst="rect">
             <a:avLst/>
           </a:prstGeom>
         </p:spPr>
       </p:pic>
+      <p:sp>
+        <p:nvSpPr>
+          <p:cNvPr id="2" name="Title 1">
+            <a:extLst>
+              <a:ext uri="{FF2B5EF4-FFF2-40B4-BE49-F238E27FC236}">
+                <a16:creationId xmlns:a16="http://schemas.microsoft.com/office/drawing/2014/main" id="{F024522C-83FE-C24F-A343-3DA86757EA92}"/>
+              </a:ext>
+            </a:extLst>
+          </p:cNvPr>
+          <p:cNvSpPr>
+            <a:spLocks noGrp="1"/>
+          </p:cNvSpPr>
+          <p:nvPr>
+            <p:ph type="title"/>
+          </p:nvPr>
+        </p:nvSpPr>
+        <p:spPr>
+          <a:xfrm>
+            <a:off x="328543" y="155299"/>
+            <a:ext cx="4281760" cy="674687"/>
+          </a:xfrm>
+        </p:spPr>
+        <p:txBody>
+          <a:bodyPr>
+            <a:normAutofit/>
+          </a:bodyPr>
+          <a:lstStyle/>
+          <a:p>
+            <a:r>
+              <a:rPr lang="en-US" b="1" dirty="0"/>
+              <a:t>Authority response</a:t>
+            </a:r>
+          </a:p>
+        </p:txBody>
+      </p:sp>
+      <p:sp>
+        <p:nvSpPr>
+          <p:cNvPr id="4" name="Text Placeholder 3">
+            <a:extLst>
+              <a:ext uri="{FF2B5EF4-FFF2-40B4-BE49-F238E27FC236}">
+                <a16:creationId xmlns:a16="http://schemas.microsoft.com/office/drawing/2014/main" id="{6F0991EE-92D2-C242-B33F-6F16F5F1A6F0}"/>
+              </a:ext>
+            </a:extLst>
+          </p:cNvPr>
+          <p:cNvSpPr>
+            <a:spLocks noGrp="1"/>
+          </p:cNvSpPr>
+          <p:nvPr>
+            <p:ph type="body" sz="half" idx="2"/>
+          </p:nvPr>
+        </p:nvSpPr>
+        <p:spPr>
+          <a:xfrm>
+            <a:off x="191994" y="3337048"/>
+            <a:ext cx="7991223" cy="3114674"/>
+          </a:xfrm>
+        </p:spPr>
+        <p:txBody>
+          <a:bodyPr>
+            <a:noAutofit/>
+          </a:bodyPr>
+          <a:lstStyle/>
+          <a:p>
+            <a:pPr>
+              <a:lnSpc>
+                <a:spcPct val="100000"/>
+              </a:lnSpc>
+              <a:spcBef>
+                <a:spcPts val="400"/>
+              </a:spcBef>
+            </a:pPr>
+            <a:r>
+              <a:rPr lang="en-US" sz="1200" b="1" dirty="0"/>
+              <a:t>Physical surveillance</a:t>
+            </a:r>
+            <a:r>
+              <a:rPr lang="en-US" sz="1200" dirty="0"/>
+              <a:t>: monitoring of behavior, activities, or other changing information about kidnapper</a:t>
+            </a:r>
+          </a:p>
+          <a:p>
+            <a:pPr>
+              <a:lnSpc>
+                <a:spcPct val="100000"/>
+              </a:lnSpc>
+              <a:spcBef>
+                <a:spcPts val="400"/>
+              </a:spcBef>
+            </a:pPr>
+            <a:r>
+              <a:rPr lang="en-US" sz="1200" b="1" dirty="0"/>
+              <a:t>Travel</a:t>
+            </a:r>
+            <a:r>
+              <a:rPr lang="en-US" sz="1200" dirty="0"/>
+              <a:t>: movement of authorities to location of kidnapper or victim</a:t>
+            </a:r>
+          </a:p>
+          <a:p>
+            <a:pPr>
+              <a:lnSpc>
+                <a:spcPct val="100000"/>
+              </a:lnSpc>
+              <a:spcBef>
+                <a:spcPts val="400"/>
+              </a:spcBef>
+            </a:pPr>
+            <a:r>
+              <a:rPr lang="en-US" sz="1200" b="1" dirty="0"/>
+              <a:t>Search</a:t>
+            </a:r>
+            <a:r>
+              <a:rPr lang="en-US" sz="1200" dirty="0"/>
+              <a:t>: physical finding of location of kidnapper or victim</a:t>
+            </a:r>
+          </a:p>
+          <a:p>
+            <a:pPr>
+              <a:lnSpc>
+                <a:spcPct val="100000"/>
+              </a:lnSpc>
+              <a:spcBef>
+                <a:spcPts val="400"/>
+              </a:spcBef>
+            </a:pPr>
+            <a:r>
+              <a:rPr lang="en-US" sz="1200" b="1" dirty="0"/>
+              <a:t>Communication with kidnapper</a:t>
+            </a:r>
+            <a:r>
+              <a:rPr lang="en-US" sz="1200" dirty="0"/>
+              <a:t>: act of conveying intended meanings between authorities</a:t>
+            </a:r>
+          </a:p>
+          <a:p>
+            <a:pPr>
+              <a:lnSpc>
+                <a:spcPct val="100000"/>
+              </a:lnSpc>
+              <a:spcBef>
+                <a:spcPts val="400"/>
+              </a:spcBef>
+            </a:pPr>
+            <a:r>
+              <a:rPr lang="en-US" sz="1200" b="1" dirty="0"/>
+              <a:t>Release Information</a:t>
+            </a:r>
+            <a:r>
+              <a:rPr lang="en-US" sz="1200" dirty="0"/>
+              <a:t>: revealing of restricted information about crime to public</a:t>
+            </a:r>
+          </a:p>
+          <a:p>
+            <a:pPr>
+              <a:lnSpc>
+                <a:spcPct val="100000"/>
+              </a:lnSpc>
+              <a:spcBef>
+                <a:spcPts val="400"/>
+              </a:spcBef>
+            </a:pPr>
+            <a:r>
+              <a:rPr lang="en-US" sz="1200" b="1" dirty="0"/>
+              <a:t>Request</a:t>
+            </a:r>
+            <a:r>
+              <a:rPr lang="en-US" sz="1200" dirty="0"/>
+              <a:t>: act of asking formally for demands of kidnapper</a:t>
+            </a:r>
+          </a:p>
+          <a:p>
+            <a:pPr>
+              <a:lnSpc>
+                <a:spcPct val="100000"/>
+              </a:lnSpc>
+              <a:spcBef>
+                <a:spcPts val="400"/>
+              </a:spcBef>
+            </a:pPr>
+            <a:r>
+              <a:rPr lang="en-US" sz="1200" b="1" dirty="0"/>
+              <a:t>Negotiation</a:t>
+            </a:r>
+            <a:r>
+              <a:rPr lang="en-US" sz="1200" dirty="0"/>
+              <a:t>: meeting held between authorities and kidnapper</a:t>
+            </a:r>
+          </a:p>
+          <a:p>
+            <a:pPr>
+              <a:lnSpc>
+                <a:spcPct val="100000"/>
+              </a:lnSpc>
+              <a:spcBef>
+                <a:spcPts val="400"/>
+              </a:spcBef>
+            </a:pPr>
+            <a:r>
+              <a:rPr lang="en-US" sz="1200" b="1" dirty="0"/>
+              <a:t>Persuade kidnapper</a:t>
+            </a:r>
+            <a:r>
+              <a:rPr lang="en-US" sz="1200" dirty="0"/>
+              <a:t>: attempts to prevent additional crimes through discussion or police action</a:t>
+            </a:r>
+          </a:p>
+          <a:p>
+            <a:pPr>
+              <a:lnSpc>
+                <a:spcPct val="100000"/>
+              </a:lnSpc>
+              <a:spcBef>
+                <a:spcPts val="400"/>
+              </a:spcBef>
+            </a:pPr>
+            <a:r>
+              <a:rPr lang="en-US" sz="1200" b="1" dirty="0"/>
+              <a:t>Aid affected parties</a:t>
+            </a:r>
+            <a:r>
+              <a:rPr lang="en-US" sz="1200" dirty="0"/>
+              <a:t>: cooperation between authorities and people impacted by crime</a:t>
+            </a:r>
+          </a:p>
+          <a:p>
+            <a:pPr>
+              <a:lnSpc>
+                <a:spcPct val="100000"/>
+              </a:lnSpc>
+              <a:spcBef>
+                <a:spcPts val="400"/>
+              </a:spcBef>
+            </a:pPr>
+            <a:r>
+              <a:rPr lang="en-US" sz="1200" b="1" dirty="0"/>
+              <a:t>Protect victim</a:t>
+            </a:r>
+            <a:r>
+              <a:rPr lang="en-US" sz="1200" dirty="0"/>
+              <a:t>: act of protecting victim from attack</a:t>
+            </a:r>
+          </a:p>
+          <a:p>
+            <a:pPr>
+              <a:lnSpc>
+                <a:spcPct val="100000"/>
+              </a:lnSpc>
+              <a:spcBef>
+                <a:spcPts val="400"/>
+              </a:spcBef>
+            </a:pPr>
+            <a:r>
+              <a:rPr lang="en-US" sz="1200" b="1" dirty="0"/>
+              <a:t>Exchange hostages</a:t>
+            </a:r>
+            <a:r>
+              <a:rPr lang="en-US" sz="1200" dirty="0"/>
+              <a:t>: voluntary exchange of victim for other person or resource</a:t>
+            </a:r>
+          </a:p>
+          <a:p>
+            <a:pPr>
+              <a:lnSpc>
+                <a:spcPct val="100000"/>
+              </a:lnSpc>
+              <a:spcBef>
+                <a:spcPts val="400"/>
+              </a:spcBef>
+            </a:pPr>
+            <a:r>
+              <a:rPr lang="en-US" sz="1200" b="1" dirty="0"/>
+              <a:t>Obtain ransom</a:t>
+            </a:r>
+            <a:r>
+              <a:rPr lang="en-US" sz="1200" dirty="0"/>
+              <a:t>: money made available to secure safety of victim</a:t>
+            </a:r>
+          </a:p>
+          <a:p>
+            <a:pPr>
+              <a:lnSpc>
+                <a:spcPct val="100000"/>
+              </a:lnSpc>
+              <a:spcBef>
+                <a:spcPts val="400"/>
+              </a:spcBef>
+            </a:pPr>
+            <a:r>
+              <a:rPr lang="en-US" sz="1200" b="1" dirty="0"/>
+              <a:t>Attack</a:t>
+            </a:r>
+            <a:r>
+              <a:rPr lang="en-US" sz="1200" dirty="0"/>
+              <a:t>: attempt to control situation by authorities</a:t>
+            </a:r>
+          </a:p>
+          <a:p>
+            <a:pPr>
+              <a:lnSpc>
+                <a:spcPct val="100000"/>
+              </a:lnSpc>
+              <a:spcBef>
+                <a:spcPts val="400"/>
+              </a:spcBef>
+            </a:pPr>
+            <a:r>
+              <a:rPr lang="en-US" sz="1200" b="1" dirty="0"/>
+              <a:t>Killing</a:t>
+            </a:r>
+            <a:r>
+              <a:rPr lang="en-US" sz="1200" dirty="0"/>
+              <a:t>: act of killing the kidnapper or accidental killing of victim</a:t>
+            </a:r>
+          </a:p>
+        </p:txBody>
+      </p:sp>
     </p:spTree>
     <p:extLst>
       <p:ext uri="{BB962C8B-B14F-4D97-AF65-F5344CB8AC3E}">
@@ -4704,8 +4787,43 @@
         </p:nvSpPr>
         <p:spPr>
           <a:xfrm>
-            <a:off x="511176" y="703262"/>
-            <a:ext cx="4603747" cy="1014413"/>
+            <a:off x="262698" y="275880"/>
+            <a:ext cx="4603747" cy="409921"/>
+          </a:xfrm>
+        </p:spPr>
+        <p:txBody>
+          <a:bodyPr>
+            <a:normAutofit fontScale="90000"/>
+          </a:bodyPr>
+          <a:lstStyle/>
+          <a:p>
+            <a:r>
+              <a:rPr lang="en-US" b="1" dirty="0"/>
+              <a:t>Non-authority response</a:t>
+            </a:r>
+          </a:p>
+        </p:txBody>
+      </p:sp>
+      <p:sp>
+        <p:nvSpPr>
+          <p:cNvPr id="4" name="Text Placeholder 3">
+            <a:extLst>
+              <a:ext uri="{FF2B5EF4-FFF2-40B4-BE49-F238E27FC236}">
+                <a16:creationId xmlns:a16="http://schemas.microsoft.com/office/drawing/2014/main" id="{6F0991EE-92D2-C242-B33F-6F16F5F1A6F0}"/>
+              </a:ext>
+            </a:extLst>
+          </p:cNvPr>
+          <p:cNvSpPr>
+            <a:spLocks noGrp="1"/>
+          </p:cNvSpPr>
+          <p:nvPr>
+            <p:ph type="body" sz="half" idx="2"/>
+          </p:nvPr>
+        </p:nvSpPr>
+        <p:spPr>
+          <a:xfrm>
+            <a:off x="839788" y="3592376"/>
+            <a:ext cx="10305290" cy="2276612"/>
           </a:xfrm>
         </p:spPr>
         <p:txBody>
@@ -4716,94 +4834,61 @@
           <a:p>
             <a:r>
               <a:rPr lang="en-US" b="1" dirty="0"/>
-              <a:t>Non-authority response (10224)</a:t>
-            </a:r>
-          </a:p>
-        </p:txBody>
-      </p:sp>
-      <p:sp>
-        <p:nvSpPr>
-          <p:cNvPr id="4" name="Text Placeholder 3">
-            <a:extLst>
-              <a:ext uri="{FF2B5EF4-FFF2-40B4-BE49-F238E27FC236}">
-                <a16:creationId xmlns:a16="http://schemas.microsoft.com/office/drawing/2014/main" id="{6F0991EE-92D2-C242-B33F-6F16F5F1A6F0}"/>
-              </a:ext>
-            </a:extLst>
-          </p:cNvPr>
-          <p:cNvSpPr>
-            <a:spLocks noGrp="1"/>
-          </p:cNvSpPr>
-          <p:nvPr>
-            <p:ph type="body" sz="half" idx="2"/>
-          </p:nvPr>
-        </p:nvSpPr>
-        <p:spPr>
-          <a:xfrm>
-            <a:off x="839788" y="2200275"/>
-            <a:ext cx="3910632" cy="3668713"/>
-          </a:xfrm>
-        </p:spPr>
-        <p:txBody>
-          <a:bodyPr/>
-          <a:lstStyle/>
+              <a:t>Negotiate</a:t>
+            </a:r>
+            <a:r>
+              <a:rPr lang="en-US" dirty="0"/>
+              <a:t>: meeting held between non-authorities and kidnapper</a:t>
+            </a:r>
+          </a:p>
           <a:p>
             <a:r>
               <a:rPr lang="en-US" b="1" dirty="0"/>
-              <a:t>Negotiation </a:t>
+              <a:t>Determine meeting place</a:t>
             </a:r>
             <a:r>
               <a:rPr lang="en-US" dirty="0"/>
-              <a:t>(10269): meeting held between non-authorities and kidnapper</a:t>
+              <a:t>: act of conveying intended meanings between non-authorities and kidnapper</a:t>
             </a:r>
           </a:p>
           <a:p>
             <a:r>
               <a:rPr lang="en-US" b="1" dirty="0"/>
-              <a:t>Communication</a:t>
+              <a:t>Obtain ransom</a:t>
             </a:r>
             <a:r>
               <a:rPr lang="en-US" dirty="0"/>
-              <a:t> (10273): conveying meaning between non-authorities and kidnapper</a:t>
+              <a:t>: procuring money to secure safety of victim</a:t>
             </a:r>
           </a:p>
           <a:p>
             <a:r>
               <a:rPr lang="en-US" b="1" dirty="0"/>
-              <a:t>Getting ransom</a:t>
+              <a:t>Travel</a:t>
             </a:r>
             <a:r>
               <a:rPr lang="en-US" dirty="0"/>
-              <a:t> (10270): procuring money to secure safety of victim</a:t>
+              <a:t>: movement of non-authorities to location for delivery of ransom</a:t>
             </a:r>
           </a:p>
           <a:p>
             <a:r>
               <a:rPr lang="en-US" b="1" dirty="0"/>
-              <a:t>Traveling</a:t>
+              <a:t>Deliver ransom</a:t>
             </a:r>
             <a:r>
               <a:rPr lang="en-US" dirty="0"/>
-              <a:t> (10272): movement of non-authorities to location for delivery of ransom</a:t>
-            </a:r>
-          </a:p>
-          <a:p>
-            <a:r>
-              <a:rPr lang="en-US" b="1" dirty="0"/>
-              <a:t>Giving ransom</a:t>
-            </a:r>
-            <a:r>
-              <a:rPr lang="en-US" dirty="0"/>
-              <a:t> (10271): handing over ransom to kidnapper</a:t>
+              <a:t>: handing over ransom to kidnapper</a:t>
             </a:r>
           </a:p>
         </p:txBody>
       </p:sp>
       <p:pic>
         <p:nvPicPr>
-          <p:cNvPr id="6" name="Picture 5" descr="Diagram&#10;&#10;Description automatically generated">
-            <a:extLst>
-              <a:ext uri="{FF2B5EF4-FFF2-40B4-BE49-F238E27FC236}">
-                <a16:creationId xmlns:a16="http://schemas.microsoft.com/office/drawing/2014/main" id="{4FED027A-BB75-9A4F-A050-E0E38E21B1D3}"/>
+          <p:cNvPr id="3" name="Picture 2">
+            <a:extLst>
+              <a:ext uri="{FF2B5EF4-FFF2-40B4-BE49-F238E27FC236}">
+                <a16:creationId xmlns:a16="http://schemas.microsoft.com/office/drawing/2014/main" id="{2DAA139F-F1F4-4C6C-000C-9AC61A795BAC}"/>
               </a:ext>
             </a:extLst>
           </p:cNvPr>
@@ -4820,8 +4905,8 @@
         </p:blipFill>
         <p:spPr>
           <a:xfrm>
-            <a:off x="5114923" y="1920875"/>
-            <a:ext cx="6565900" cy="3543300"/>
+            <a:off x="1245066" y="685801"/>
+            <a:ext cx="8947236" cy="2496654"/>
           </a:xfrm>
           <a:prstGeom prst="rect">
             <a:avLst/>
@@ -4876,17 +4961,19 @@
         </p:nvSpPr>
         <p:spPr>
           <a:xfrm>
-            <a:off x="839789" y="457200"/>
-            <a:ext cx="2594788" cy="1600200"/>
+            <a:off x="168965" y="238540"/>
+            <a:ext cx="2967438" cy="837282"/>
           </a:xfrm>
         </p:spPr>
         <p:txBody>
-          <a:bodyPr/>
+          <a:bodyPr>
+            <a:normAutofit fontScale="90000"/>
+          </a:bodyPr>
           <a:lstStyle/>
           <a:p>
             <a:r>
               <a:rPr lang="en-US" b="1" dirty="0"/>
-              <a:t>Legality (10225)</a:t>
+              <a:t>Criminal Investigation</a:t>
             </a:r>
           </a:p>
         </p:txBody>
@@ -4909,51 +4996,143 @@
         </p:nvSpPr>
         <p:spPr>
           <a:xfrm>
-            <a:off x="2925763" y="3744913"/>
-            <a:ext cx="7161212" cy="2275805"/>
+            <a:off x="487018" y="3113088"/>
+            <a:ext cx="11400182" cy="3426860"/>
           </a:xfrm>
         </p:spPr>
         <p:txBody>
-          <a:bodyPr/>
+          <a:bodyPr>
+            <a:normAutofit fontScale="92500" lnSpcReduction="20000"/>
+          </a:bodyPr>
           <a:lstStyle/>
           <a:p>
             <a:r>
               <a:rPr lang="en-US" b="1" dirty="0"/>
-              <a:t>Investigation</a:t>
+              <a:t>Accusation</a:t>
             </a:r>
             <a:r>
               <a:rPr lang="en-US" dirty="0"/>
-              <a:t> (10274): investigation of crimes by police</a:t>
+              <a:t>: act of accusing or charging another with a crime</a:t>
             </a:r>
           </a:p>
           <a:p>
             <a:r>
               <a:rPr lang="en-US" b="1" dirty="0"/>
-              <a:t>Legal rulings</a:t>
+              <a:t>Arrest</a:t>
             </a:r>
             <a:r>
               <a:rPr lang="en-US" dirty="0"/>
-              <a:t> (10275): proceedings in any civil lawsuit or criminal prosecution</a:t>
+              <a:t>: detention of a person and taking it into custody, usually because it has been suspected of committing a crime</a:t>
             </a:r>
           </a:p>
           <a:p>
             <a:r>
               <a:rPr lang="en-US" b="1" dirty="0"/>
-              <a:t>Judgment communication </a:t>
+              <a:t>Detention</a:t>
             </a:r>
             <a:r>
               <a:rPr lang="en-US" dirty="0"/>
-              <a:t>(10276): instruction directed by law, judgment or administrative act to defendant or litigant to obey a certain behavior</a:t>
+              <a:t>: removal of the freedom of liberty by a state</a:t>
+            </a:r>
+          </a:p>
+          <a:p>
+            <a:r>
+              <a:rPr lang="en-US" b="1" dirty="0"/>
+              <a:t>Conviction</a:t>
+            </a:r>
+            <a:r>
+              <a:rPr lang="en-US" dirty="0"/>
+              <a:t>: verdict that results when a court of law finds a defendant guilty of a crime</a:t>
+            </a:r>
+          </a:p>
+          <a:p>
+            <a:r>
+              <a:rPr lang="en-US" b="1" dirty="0"/>
+              <a:t>Plea</a:t>
+            </a:r>
+            <a:r>
+              <a:rPr lang="en-US" dirty="0"/>
+              <a:t>: answer to a claim made by someone in a criminal case under common law using the adversarial system</a:t>
+            </a:r>
+          </a:p>
+          <a:p>
+            <a:r>
+              <a:rPr lang="en-US" b="1" dirty="0"/>
+              <a:t>Trial: </a:t>
+            </a:r>
+            <a:r>
+              <a:rPr lang="en-US" dirty="0"/>
+              <a:t>coming together of parties to a dispute, to present information in a tribunal</a:t>
+            </a:r>
+          </a:p>
+          <a:p>
+            <a:r>
+              <a:rPr lang="en-US" b="1" dirty="0"/>
+              <a:t>Legal hearing</a:t>
+            </a:r>
+            <a:r>
+              <a:rPr lang="en-US" dirty="0"/>
+              <a:t>: </a:t>
+            </a:r>
+          </a:p>
+          <a:p>
+            <a:r>
+              <a:rPr lang="en-US" b="1" dirty="0"/>
+              <a:t>Court decision</a:t>
+            </a:r>
+            <a:r>
+              <a:rPr lang="en-US" dirty="0"/>
+              <a:t>: formal decision made by a court</a:t>
+            </a:r>
+          </a:p>
+          <a:p>
+            <a:r>
+              <a:rPr lang="en-US" b="1" dirty="0"/>
+              <a:t>Sentence</a:t>
+            </a:r>
+            <a:r>
+              <a:rPr lang="en-US" dirty="0"/>
+              <a:t>: decree of punishment in law</a:t>
+            </a:r>
+          </a:p>
+          <a:p>
+            <a:r>
+              <a:rPr lang="en-US" b="1" dirty="0"/>
+              <a:t>Imprisonment</a:t>
+            </a:r>
+            <a:r>
+              <a:rPr lang="en-US" dirty="0"/>
+              <a:t>: restraint of a person's liberty by judicial or other detention</a:t>
+            </a:r>
+          </a:p>
+          <a:p>
+            <a:r>
+              <a:rPr lang="en-US" b="1" dirty="0"/>
+              <a:t>Execution</a:t>
+            </a:r>
+            <a:r>
+              <a:rPr lang="en-US" dirty="0"/>
+              <a:t>: homicide as capital punishment</a:t>
+            </a:r>
+          </a:p>
+          <a:p>
+            <a:r>
+              <a:rPr lang="en-US" b="1" dirty="0"/>
+              <a:t>Acquittal</a:t>
+            </a:r>
+            <a:r>
+              <a:rPr lang="en-US" dirty="0"/>
+              <a:t>: the legal result of a verdict of not guilty</a:t>
             </a:r>
           </a:p>
         </p:txBody>
       </p:sp>
       <p:pic>
         <p:nvPicPr>
-          <p:cNvPr id="6" name="Picture 5" descr="Diagram&#10;&#10;Description automatically generated">
-            <a:extLst>
-              <a:ext uri="{FF2B5EF4-FFF2-40B4-BE49-F238E27FC236}">
-                <a16:creationId xmlns:a16="http://schemas.microsoft.com/office/drawing/2014/main" id="{E40C43DA-F007-244A-8A17-C377AEBD6DC9}"/>
+          <p:cNvPr id="3" name="Picture 2">
+            <a:extLst>
+              <a:ext uri="{FF2B5EF4-FFF2-40B4-BE49-F238E27FC236}">
+                <a16:creationId xmlns:a16="http://schemas.microsoft.com/office/drawing/2014/main" id="{D0E2ECBE-2539-AE8D-A9CF-BDD0AE564DF1}"/>
               </a:ext>
             </a:extLst>
           </p:cNvPr>
@@ -4970,8 +5149,8 @@
         </p:blipFill>
         <p:spPr>
           <a:xfrm>
-            <a:off x="2851151" y="837282"/>
-            <a:ext cx="7161212" cy="2440235"/>
+            <a:off x="2315880" y="147085"/>
+            <a:ext cx="8907605" cy="2966002"/>
           </a:xfrm>
           <a:prstGeom prst="rect">
             <a:avLst/>
